--- a/MEOW-member/月老喵.pptx
+++ b/MEOW-member/月老喵.pptx
@@ -224,7 +224,7 @@
           <a:p>
             <a:fld id="{83A1FA89-A198-7440-BC8A-A385D857AA20}" type="datetimeFigureOut">
               <a:rPr kumimoji="1" lang="zh-TW" altLang="en-US" smtClean="0"/>
-              <a:t>2022/10/10</a:t>
+              <a:t>2022/10/11</a:t>
             </a:fld>
             <a:endParaRPr kumimoji="1" lang="zh-TW" altLang="en-US"/>
           </a:p>
@@ -722,7 +722,7 @@
           <a:p>
             <a:fld id="{47132332-2A2E-6A47-9CEB-204D3BE31A24}" type="datetimeFigureOut">
               <a:rPr kumimoji="1" lang="zh-TW" altLang="en-US" smtClean="0"/>
-              <a:t>2022/10/10</a:t>
+              <a:t>2022/10/11</a:t>
             </a:fld>
             <a:endParaRPr kumimoji="1" lang="zh-TW" altLang="en-US"/>
           </a:p>
@@ -920,7 +920,7 @@
           <a:p>
             <a:fld id="{47132332-2A2E-6A47-9CEB-204D3BE31A24}" type="datetimeFigureOut">
               <a:rPr kumimoji="1" lang="zh-TW" altLang="en-US" smtClean="0"/>
-              <a:t>2022/10/10</a:t>
+              <a:t>2022/10/11</a:t>
             </a:fld>
             <a:endParaRPr kumimoji="1" lang="zh-TW" altLang="en-US"/>
           </a:p>
@@ -1128,7 +1128,7 @@
           <a:p>
             <a:fld id="{47132332-2A2E-6A47-9CEB-204D3BE31A24}" type="datetimeFigureOut">
               <a:rPr kumimoji="1" lang="zh-TW" altLang="en-US" smtClean="0"/>
-              <a:t>2022/10/10</a:t>
+              <a:t>2022/10/11</a:t>
             </a:fld>
             <a:endParaRPr kumimoji="1" lang="zh-TW" altLang="en-US"/>
           </a:p>
@@ -1326,7 +1326,7 @@
           <a:p>
             <a:fld id="{47132332-2A2E-6A47-9CEB-204D3BE31A24}" type="datetimeFigureOut">
               <a:rPr kumimoji="1" lang="zh-TW" altLang="en-US" smtClean="0"/>
-              <a:t>2022/10/10</a:t>
+              <a:t>2022/10/11</a:t>
             </a:fld>
             <a:endParaRPr kumimoji="1" lang="zh-TW" altLang="en-US"/>
           </a:p>
@@ -1601,7 +1601,7 @@
           <a:p>
             <a:fld id="{47132332-2A2E-6A47-9CEB-204D3BE31A24}" type="datetimeFigureOut">
               <a:rPr kumimoji="1" lang="zh-TW" altLang="en-US" smtClean="0"/>
-              <a:t>2022/10/10</a:t>
+              <a:t>2022/10/11</a:t>
             </a:fld>
             <a:endParaRPr kumimoji="1" lang="zh-TW" altLang="en-US"/>
           </a:p>
@@ -1866,7 +1866,7 @@
           <a:p>
             <a:fld id="{47132332-2A2E-6A47-9CEB-204D3BE31A24}" type="datetimeFigureOut">
               <a:rPr kumimoji="1" lang="zh-TW" altLang="en-US" smtClean="0"/>
-              <a:t>2022/10/10</a:t>
+              <a:t>2022/10/11</a:t>
             </a:fld>
             <a:endParaRPr kumimoji="1" lang="zh-TW" altLang="en-US"/>
           </a:p>
@@ -2278,7 +2278,7 @@
           <a:p>
             <a:fld id="{47132332-2A2E-6A47-9CEB-204D3BE31A24}" type="datetimeFigureOut">
               <a:rPr kumimoji="1" lang="zh-TW" altLang="en-US" smtClean="0"/>
-              <a:t>2022/10/10</a:t>
+              <a:t>2022/10/11</a:t>
             </a:fld>
             <a:endParaRPr kumimoji="1" lang="zh-TW" altLang="en-US"/>
           </a:p>
@@ -2419,7 +2419,7 @@
           <a:p>
             <a:fld id="{47132332-2A2E-6A47-9CEB-204D3BE31A24}" type="datetimeFigureOut">
               <a:rPr kumimoji="1" lang="zh-TW" altLang="en-US" smtClean="0"/>
-              <a:t>2022/10/10</a:t>
+              <a:t>2022/10/11</a:t>
             </a:fld>
             <a:endParaRPr kumimoji="1" lang="zh-TW" altLang="en-US"/>
           </a:p>
@@ -2532,7 +2532,7 @@
           <a:p>
             <a:fld id="{47132332-2A2E-6A47-9CEB-204D3BE31A24}" type="datetimeFigureOut">
               <a:rPr kumimoji="1" lang="zh-TW" altLang="en-US" smtClean="0"/>
-              <a:t>2022/10/10</a:t>
+              <a:t>2022/10/11</a:t>
             </a:fld>
             <a:endParaRPr kumimoji="1" lang="zh-TW" altLang="en-US"/>
           </a:p>
@@ -2843,7 +2843,7 @@
           <a:p>
             <a:fld id="{47132332-2A2E-6A47-9CEB-204D3BE31A24}" type="datetimeFigureOut">
               <a:rPr kumimoji="1" lang="zh-TW" altLang="en-US" smtClean="0"/>
-              <a:t>2022/10/10</a:t>
+              <a:t>2022/10/11</a:t>
             </a:fld>
             <a:endParaRPr kumimoji="1" lang="zh-TW" altLang="en-US"/>
           </a:p>
@@ -3131,7 +3131,7 @@
           <a:p>
             <a:fld id="{47132332-2A2E-6A47-9CEB-204D3BE31A24}" type="datetimeFigureOut">
               <a:rPr kumimoji="1" lang="zh-TW" altLang="en-US" smtClean="0"/>
-              <a:t>2022/10/10</a:t>
+              <a:t>2022/10/11</a:t>
             </a:fld>
             <a:endParaRPr kumimoji="1" lang="zh-TW" altLang="en-US"/>
           </a:p>
@@ -3372,7 +3372,7 @@
           <a:p>
             <a:fld id="{47132332-2A2E-6A47-9CEB-204D3BE31A24}" type="datetimeFigureOut">
               <a:rPr kumimoji="1" lang="zh-TW" altLang="en-US" smtClean="0"/>
-              <a:t>2022/10/10</a:t>
+              <a:t>2022/10/11</a:t>
             </a:fld>
             <a:endParaRPr kumimoji="1" lang="zh-TW" altLang="en-US"/>
           </a:p>
@@ -4568,434 +4568,476 @@
           </a:p>
         </p:txBody>
       </p:sp>
-      <p:sp>
-        <p:nvSpPr>
-          <p:cNvPr id="47" name="圓角矩形 46">
-            <a:extLst>
-              <a:ext uri="{FF2B5EF4-FFF2-40B4-BE49-F238E27FC236}">
-                <a16:creationId xmlns:a16="http://schemas.microsoft.com/office/drawing/2014/main" id="{DEFD24CC-CF7D-B1D8-67B9-4397B267080D}"/>
-              </a:ext>
-            </a:extLst>
-          </p:cNvPr>
-          <p:cNvSpPr/>
+      <p:grpSp>
+        <p:nvGrpSpPr>
+          <p:cNvPr id="2" name="群組 1">
+            <a:extLst>
+              <a:ext uri="{FF2B5EF4-FFF2-40B4-BE49-F238E27FC236}">
+                <a16:creationId xmlns:a16="http://schemas.microsoft.com/office/drawing/2014/main" id="{0792A0AE-65A5-C04B-3067-FAEC2AD435D2}"/>
+              </a:ext>
+            </a:extLst>
+          </p:cNvPr>
+          <p:cNvGrpSpPr/>
           <p:nvPr/>
-        </p:nvSpPr>
-        <p:spPr>
+        </p:nvGrpSpPr>
+        <p:grpSpPr>
           <a:xfrm>
-            <a:off x="769252" y="3694113"/>
-            <a:ext cx="2874973" cy="1802382"/>
+            <a:off x="769252" y="3339051"/>
+            <a:ext cx="2874973" cy="2157444"/>
+            <a:chOff x="769252" y="3339051"/>
+            <a:chExt cx="2874973" cy="2157444"/>
           </a:xfrm>
-          <a:prstGeom prst="roundRect">
-            <a:avLst/>
-          </a:prstGeom>
-          <a:solidFill>
-            <a:srgbClr val="FFF6E8"/>
-          </a:solidFill>
-          <a:ln w="28575">
+        </p:grpSpPr>
+        <p:sp>
+          <p:nvSpPr>
+            <p:cNvPr id="47" name="圓角矩形 46">
+              <a:extLst>
+                <a:ext uri="{FF2B5EF4-FFF2-40B4-BE49-F238E27FC236}">
+                  <a16:creationId xmlns:a16="http://schemas.microsoft.com/office/drawing/2014/main" id="{DEFD24CC-CF7D-B1D8-67B9-4397B267080D}"/>
+                </a:ext>
+              </a:extLst>
+            </p:cNvPr>
+            <p:cNvSpPr/>
+            <p:nvPr/>
+          </p:nvSpPr>
+          <p:spPr>
+            <a:xfrm>
+              <a:off x="769252" y="3694113"/>
+              <a:ext cx="2874973" cy="1802382"/>
+            </a:xfrm>
+            <a:prstGeom prst="roundRect">
+              <a:avLst/>
+            </a:prstGeom>
             <a:solidFill>
-              <a:srgbClr val="CD552F"/>
+              <a:srgbClr val="FFF6E8"/>
             </a:solidFill>
-            <a:prstDash val="sysDash"/>
-          </a:ln>
-        </p:spPr>
-        <p:style>
-          <a:lnRef idx="3">
-            <a:schemeClr val="lt1"/>
-          </a:lnRef>
-          <a:fillRef idx="1">
-            <a:schemeClr val="accent2"/>
-          </a:fillRef>
-          <a:effectRef idx="1">
-            <a:schemeClr val="accent2"/>
-          </a:effectRef>
-          <a:fontRef idx="minor">
-            <a:schemeClr val="lt1"/>
-          </a:fontRef>
-        </p:style>
-        <p:txBody>
-          <a:bodyPr rtlCol="0" anchor="ctr"/>
-          <a:lstStyle/>
-          <a:p>
-            <a:pPr>
-              <a:lnSpc>
-                <a:spcPct val="150000"/>
-              </a:lnSpc>
-            </a:pPr>
-            <a:r>
-              <a:rPr lang="en-US" altLang="zh-TW" sz="1400" spc="300" dirty="0">
-                <a:solidFill>
-                  <a:srgbClr val="432A0F"/>
-                </a:solidFill>
-                <a:effectLst/>
-                <a:latin typeface="GenSenRounded TW R" panose="020B0500000000000000" pitchFamily="34" charset="-120"/>
-                <a:ea typeface="GenSenRounded TW R" panose="020B0500000000000000" pitchFamily="34" charset="-120"/>
-              </a:rPr>
-              <a:t>- </a:t>
-            </a:r>
-            <a:r>
-              <a:rPr lang="zh-TW" altLang="en-US" sz="1400" spc="300" dirty="0">
-                <a:solidFill>
-                  <a:srgbClr val="432A0F"/>
-                </a:solidFill>
-                <a:effectLst/>
-                <a:latin typeface="GenSenRounded TW R" panose="020B0500000000000000" pitchFamily="34" charset="-120"/>
-                <a:ea typeface="GenSenRounded TW R" panose="020B0500000000000000" pitchFamily="34" charset="-120"/>
-              </a:rPr>
-              <a:t>不知道怎麼開始找對象</a:t>
-            </a:r>
-            <a:br>
-              <a:rPr lang="zh-TW" altLang="en-US" sz="1400" spc="300" dirty="0">
-                <a:solidFill>
-                  <a:srgbClr val="432A0F"/>
-                </a:solidFill>
-                <a:effectLst/>
-                <a:latin typeface="GenSenRounded TW R" panose="020B0500000000000000" pitchFamily="34" charset="-120"/>
-                <a:ea typeface="GenSenRounded TW R" panose="020B0500000000000000" pitchFamily="34" charset="-120"/>
-              </a:rPr>
-            </a:br>
-            <a:r>
-              <a:rPr lang="en-US" altLang="zh-TW" sz="1400" spc="300" dirty="0">
-                <a:solidFill>
-                  <a:srgbClr val="432A0F"/>
-                </a:solidFill>
-                <a:effectLst/>
-                <a:latin typeface="GenSenRounded TW R" panose="020B0500000000000000" pitchFamily="34" charset="-120"/>
-                <a:ea typeface="GenSenRounded TW R" panose="020B0500000000000000" pitchFamily="34" charset="-120"/>
-              </a:rPr>
-              <a:t>- </a:t>
-            </a:r>
-            <a:r>
-              <a:rPr lang="zh-TW" altLang="en-US" sz="1400" spc="300" dirty="0">
-                <a:solidFill>
-                  <a:srgbClr val="432A0F"/>
-                </a:solidFill>
-                <a:effectLst/>
-                <a:latin typeface="GenSenRounded TW R" panose="020B0500000000000000" pitchFamily="34" charset="-120"/>
-                <a:ea typeface="GenSenRounded TW R" panose="020B0500000000000000" pitchFamily="34" charset="-120"/>
-              </a:rPr>
-              <a:t>家人一直逼我去相親</a:t>
-            </a:r>
-            <a:br>
-              <a:rPr lang="zh-TW" altLang="en-US" sz="1400" spc="300" dirty="0">
-                <a:solidFill>
-                  <a:srgbClr val="432A0F"/>
-                </a:solidFill>
-                <a:effectLst/>
-                <a:latin typeface="GenSenRounded TW R" panose="020B0500000000000000" pitchFamily="34" charset="-120"/>
-                <a:ea typeface="GenSenRounded TW R" panose="020B0500000000000000" pitchFamily="34" charset="-120"/>
-              </a:rPr>
-            </a:br>
-            <a:r>
-              <a:rPr lang="en-US" altLang="zh-TW" sz="1400" spc="300" dirty="0">
-                <a:solidFill>
-                  <a:srgbClr val="432A0F"/>
-                </a:solidFill>
-                <a:effectLst/>
-                <a:latin typeface="GenSenRounded TW R" panose="020B0500000000000000" pitchFamily="34" charset="-120"/>
-                <a:ea typeface="GenSenRounded TW R" panose="020B0500000000000000" pitchFamily="34" charset="-120"/>
-              </a:rPr>
-              <a:t>- </a:t>
-            </a:r>
-            <a:r>
-              <a:rPr lang="zh-TW" altLang="en-US" sz="1400" spc="300" dirty="0">
-                <a:solidFill>
-                  <a:srgbClr val="432A0F"/>
-                </a:solidFill>
-                <a:effectLst/>
-                <a:latin typeface="GenSenRounded TW R" panose="020B0500000000000000" pitchFamily="34" charset="-120"/>
-                <a:ea typeface="GenSenRounded TW R" panose="020B0500000000000000" pitchFamily="34" charset="-120"/>
-              </a:rPr>
-              <a:t>生活圈很難交到新朋友</a:t>
-            </a:r>
-            <a:endParaRPr kumimoji="1" lang="zh-TW" altLang="en-US" sz="1400" spc="300" dirty="0">
+            <a:ln w="28575">
               <a:solidFill>
-                <a:srgbClr val="432A0F"/>
+                <a:srgbClr val="CD552F"/>
               </a:solidFill>
-              <a:latin typeface="GenSenRounded TW R" panose="020B0500000000000000" pitchFamily="34" charset="-120"/>
-              <a:ea typeface="GenSenRounded TW R" panose="020B0500000000000000" pitchFamily="34" charset="-120"/>
-            </a:endParaRPr>
-          </a:p>
-        </p:txBody>
-      </p:sp>
-      <p:sp>
-        <p:nvSpPr>
-          <p:cNvPr id="44" name="圓角矩形 43">
-            <a:extLst>
-              <a:ext uri="{FF2B5EF4-FFF2-40B4-BE49-F238E27FC236}">
-                <a16:creationId xmlns:a16="http://schemas.microsoft.com/office/drawing/2014/main" id="{074BE631-F08A-FF0D-23B6-CAEF65B030FF}"/>
-              </a:ext>
-            </a:extLst>
-          </p:cNvPr>
-          <p:cNvSpPr/>
-          <p:nvPr/>
-        </p:nvSpPr>
-        <p:spPr>
-          <a:xfrm>
-            <a:off x="1636103" y="3339051"/>
-            <a:ext cx="1141271" cy="639901"/>
-          </a:xfrm>
-          <a:prstGeom prst="roundRect">
-            <a:avLst/>
-          </a:prstGeom>
-          <a:solidFill>
-            <a:srgbClr val="CD552F"/>
-          </a:solidFill>
-          <a:ln>
-            <a:solidFill>
-              <a:srgbClr val="CD562F"/>
-            </a:solidFill>
-          </a:ln>
-        </p:spPr>
-        <p:style>
-          <a:lnRef idx="2">
-            <a:schemeClr val="accent2">
-              <a:shade val="50000"/>
-            </a:schemeClr>
-          </a:lnRef>
-          <a:fillRef idx="1">
-            <a:schemeClr val="accent2"/>
-          </a:fillRef>
-          <a:effectRef idx="0">
-            <a:schemeClr val="accent2"/>
-          </a:effectRef>
-          <a:fontRef idx="minor">
-            <a:schemeClr val="lt1"/>
-          </a:fontRef>
-        </p:style>
-        <p:txBody>
-          <a:bodyPr rtlCol="0" anchor="ctr"/>
-          <a:lstStyle/>
-          <a:p>
-            <a:pPr algn="ctr"/>
-            <a:r>
-              <a:rPr kumimoji="1" lang="zh-TW" altLang="en-US" dirty="0">
-                <a:latin typeface="GenSenRounded TW M" panose="020B0500000000000000" pitchFamily="34" charset="-120"/>
-                <a:ea typeface="GenSenRounded TW M" panose="020B0500000000000000" pitchFamily="34" charset="-120"/>
-              </a:rPr>
-              <a:t>痛點</a:t>
-            </a:r>
-          </a:p>
-        </p:txBody>
-      </p:sp>
-      <p:sp>
-        <p:nvSpPr>
-          <p:cNvPr id="48" name="圓角矩形 47">
-            <a:extLst>
-              <a:ext uri="{FF2B5EF4-FFF2-40B4-BE49-F238E27FC236}">
-                <a16:creationId xmlns:a16="http://schemas.microsoft.com/office/drawing/2014/main" id="{E1239CC7-42B4-97D1-0E7B-0A1746E1E273}"/>
-              </a:ext>
-            </a:extLst>
-          </p:cNvPr>
-          <p:cNvSpPr/>
-          <p:nvPr/>
-        </p:nvSpPr>
-        <p:spPr>
-          <a:xfrm>
-            <a:off x="4381410" y="3699833"/>
-            <a:ext cx="2874973" cy="1802382"/>
-          </a:xfrm>
-          <a:prstGeom prst="roundRect">
-            <a:avLst/>
-          </a:prstGeom>
-          <a:solidFill>
-            <a:srgbClr val="FFF6E8"/>
-          </a:solidFill>
-          <a:ln w="28575">
-            <a:solidFill>
-              <a:srgbClr val="CD552F"/>
-            </a:solidFill>
-            <a:prstDash val="sysDash"/>
-          </a:ln>
-        </p:spPr>
-        <p:style>
-          <a:lnRef idx="3">
-            <a:schemeClr val="lt1"/>
-          </a:lnRef>
-          <a:fillRef idx="1">
-            <a:schemeClr val="accent2"/>
-          </a:fillRef>
-          <a:effectRef idx="1">
-            <a:schemeClr val="accent2"/>
-          </a:effectRef>
-          <a:fontRef idx="minor">
-            <a:schemeClr val="lt1"/>
-          </a:fontRef>
-        </p:style>
-        <p:txBody>
-          <a:bodyPr rtlCol="0" anchor="ctr"/>
-          <a:lstStyle/>
-          <a:p>
-            <a:pPr>
-              <a:lnSpc>
-                <a:spcPct val="150000"/>
-              </a:lnSpc>
-            </a:pPr>
-            <a:r>
-              <a:rPr lang="en-US" altLang="zh-TW" sz="1400" spc="300" dirty="0">
-                <a:solidFill>
-                  <a:srgbClr val="432A0F"/>
-                </a:solidFill>
-                <a:effectLst/>
-                <a:latin typeface="GenSenRounded TW R" panose="020B0500000000000000" pitchFamily="34" charset="-120"/>
-                <a:ea typeface="GenSenRounded TW R" panose="020B0500000000000000" pitchFamily="34" charset="-120"/>
-              </a:rPr>
-              <a:t>- </a:t>
-            </a:r>
-            <a:r>
-              <a:rPr lang="zh-TW" altLang="en-US" sz="1400" spc="300" dirty="0">
-                <a:solidFill>
-                  <a:srgbClr val="432A0F"/>
-                </a:solidFill>
-                <a:effectLst/>
-                <a:latin typeface="GenSenRounded TW R" panose="020B0500000000000000" pitchFamily="34" charset="-120"/>
-                <a:ea typeface="GenSenRounded TW R" panose="020B0500000000000000" pitchFamily="34" charset="-120"/>
-              </a:rPr>
-              <a:t>認識相同價值觀</a:t>
-            </a:r>
-            <a:r>
-              <a:rPr lang="zh-TW" altLang="en-US" sz="1400" spc="300" dirty="0">
+              <a:prstDash val="sysDash"/>
+            </a:ln>
+          </p:spPr>
+          <p:style>
+            <a:lnRef idx="3">
+              <a:schemeClr val="lt1"/>
+            </a:lnRef>
+            <a:fillRef idx="1">
+              <a:schemeClr val="accent2"/>
+            </a:fillRef>
+            <a:effectRef idx="1">
+              <a:schemeClr val="accent2"/>
+            </a:effectRef>
+            <a:fontRef idx="minor">
+              <a:schemeClr val="lt1"/>
+            </a:fontRef>
+          </p:style>
+          <p:txBody>
+            <a:bodyPr rtlCol="0" anchor="ctr"/>
+            <a:lstStyle/>
+            <a:p>
+              <a:pPr>
+                <a:lnSpc>
+                  <a:spcPct val="150000"/>
+                </a:lnSpc>
+              </a:pPr>
+              <a:r>
+                <a:rPr lang="en-US" altLang="zh-TW" sz="1400" spc="300" dirty="0">
+                  <a:solidFill>
+                    <a:srgbClr val="432A0F"/>
+                  </a:solidFill>
+                  <a:effectLst/>
+                  <a:latin typeface="GenSenRounded TW R" panose="020B0500000000000000" pitchFamily="34" charset="-120"/>
+                  <a:ea typeface="GenSenRounded TW R" panose="020B0500000000000000" pitchFamily="34" charset="-120"/>
+                </a:rPr>
+                <a:t>- </a:t>
+              </a:r>
+              <a:r>
+                <a:rPr lang="zh-TW" altLang="en-US" sz="1400" spc="300" dirty="0">
+                  <a:solidFill>
+                    <a:srgbClr val="432A0F"/>
+                  </a:solidFill>
+                  <a:effectLst/>
+                  <a:latin typeface="GenSenRounded TW R" panose="020B0500000000000000" pitchFamily="34" charset="-120"/>
+                  <a:ea typeface="GenSenRounded TW R" panose="020B0500000000000000" pitchFamily="34" charset="-120"/>
+                </a:rPr>
+                <a:t>不知道怎麼開始找對象</a:t>
+              </a:r>
+              <a:br>
+                <a:rPr lang="zh-TW" altLang="en-US" sz="1400" spc="300" dirty="0">
+                  <a:solidFill>
+                    <a:srgbClr val="432A0F"/>
+                  </a:solidFill>
+                  <a:effectLst/>
+                  <a:latin typeface="GenSenRounded TW R" panose="020B0500000000000000" pitchFamily="34" charset="-120"/>
+                  <a:ea typeface="GenSenRounded TW R" panose="020B0500000000000000" pitchFamily="34" charset="-120"/>
+                </a:rPr>
+              </a:br>
+              <a:r>
+                <a:rPr lang="en-US" altLang="zh-TW" sz="1400" spc="300" dirty="0">
+                  <a:solidFill>
+                    <a:srgbClr val="432A0F"/>
+                  </a:solidFill>
+                  <a:effectLst/>
+                  <a:latin typeface="GenSenRounded TW R" panose="020B0500000000000000" pitchFamily="34" charset="-120"/>
+                  <a:ea typeface="GenSenRounded TW R" panose="020B0500000000000000" pitchFamily="34" charset="-120"/>
+                </a:rPr>
+                <a:t>- </a:t>
+              </a:r>
+              <a:r>
+                <a:rPr lang="zh-TW" altLang="en-US" sz="1400" spc="300" dirty="0">
+                  <a:solidFill>
+                    <a:srgbClr val="432A0F"/>
+                  </a:solidFill>
+                  <a:effectLst/>
+                  <a:latin typeface="GenSenRounded TW R" panose="020B0500000000000000" pitchFamily="34" charset="-120"/>
+                  <a:ea typeface="GenSenRounded TW R" panose="020B0500000000000000" pitchFamily="34" charset="-120"/>
+                </a:rPr>
+                <a:t>家人一直逼我去相親</a:t>
+              </a:r>
+              <a:br>
+                <a:rPr lang="zh-TW" altLang="en-US" sz="1400" spc="300" dirty="0">
+                  <a:solidFill>
+                    <a:srgbClr val="432A0F"/>
+                  </a:solidFill>
+                  <a:effectLst/>
+                  <a:latin typeface="GenSenRounded TW R" panose="020B0500000000000000" pitchFamily="34" charset="-120"/>
+                  <a:ea typeface="GenSenRounded TW R" panose="020B0500000000000000" pitchFamily="34" charset="-120"/>
+                </a:rPr>
+              </a:br>
+              <a:r>
+                <a:rPr lang="en-US" altLang="zh-TW" sz="1400" spc="300" dirty="0">
+                  <a:solidFill>
+                    <a:srgbClr val="432A0F"/>
+                  </a:solidFill>
+                  <a:effectLst/>
+                  <a:latin typeface="GenSenRounded TW R" panose="020B0500000000000000" pitchFamily="34" charset="-120"/>
+                  <a:ea typeface="GenSenRounded TW R" panose="020B0500000000000000" pitchFamily="34" charset="-120"/>
+                </a:rPr>
+                <a:t>- </a:t>
+              </a:r>
+              <a:r>
+                <a:rPr lang="zh-TW" altLang="en-US" sz="1400" spc="300" dirty="0">
+                  <a:solidFill>
+                    <a:srgbClr val="432A0F"/>
+                  </a:solidFill>
+                  <a:effectLst/>
+                  <a:latin typeface="GenSenRounded TW R" panose="020B0500000000000000" pitchFamily="34" charset="-120"/>
+                  <a:ea typeface="GenSenRounded TW R" panose="020B0500000000000000" pitchFamily="34" charset="-120"/>
+                </a:rPr>
+                <a:t>生活圈很難交到新朋友</a:t>
+              </a:r>
+              <a:endParaRPr kumimoji="1" lang="zh-TW" altLang="en-US" sz="1400" spc="300" dirty="0">
                 <a:solidFill>
                   <a:srgbClr val="432A0F"/>
                 </a:solidFill>
                 <a:latin typeface="GenSenRounded TW R" panose="020B0500000000000000" pitchFamily="34" charset="-120"/>
                 <a:ea typeface="GenSenRounded TW R" panose="020B0500000000000000" pitchFamily="34" charset="-120"/>
-              </a:rPr>
-              <a:t>的對象</a:t>
-            </a:r>
-            <a:br>
-              <a:rPr lang="zh-TW" altLang="en-US" sz="1400" spc="300" dirty="0">
+              </a:endParaRPr>
+            </a:p>
+          </p:txBody>
+        </p:sp>
+        <p:sp>
+          <p:nvSpPr>
+            <p:cNvPr id="44" name="圓角矩形 43">
+              <a:extLst>
+                <a:ext uri="{FF2B5EF4-FFF2-40B4-BE49-F238E27FC236}">
+                  <a16:creationId xmlns:a16="http://schemas.microsoft.com/office/drawing/2014/main" id="{074BE631-F08A-FF0D-23B6-CAEF65B030FF}"/>
+                </a:ext>
+              </a:extLst>
+            </p:cNvPr>
+            <p:cNvSpPr/>
+            <p:nvPr/>
+          </p:nvSpPr>
+          <p:spPr>
+            <a:xfrm>
+              <a:off x="1636103" y="3339051"/>
+              <a:ext cx="1141271" cy="639901"/>
+            </a:xfrm>
+            <a:prstGeom prst="roundRect">
+              <a:avLst/>
+            </a:prstGeom>
+            <a:solidFill>
+              <a:srgbClr val="CD552F"/>
+            </a:solidFill>
+            <a:ln>
+              <a:solidFill>
+                <a:srgbClr val="CD562F"/>
+              </a:solidFill>
+            </a:ln>
+          </p:spPr>
+          <p:style>
+            <a:lnRef idx="2">
+              <a:schemeClr val="accent2">
+                <a:shade val="50000"/>
+              </a:schemeClr>
+            </a:lnRef>
+            <a:fillRef idx="1">
+              <a:schemeClr val="accent2"/>
+            </a:fillRef>
+            <a:effectRef idx="0">
+              <a:schemeClr val="accent2"/>
+            </a:effectRef>
+            <a:fontRef idx="minor">
+              <a:schemeClr val="lt1"/>
+            </a:fontRef>
+          </p:style>
+          <p:txBody>
+            <a:bodyPr rtlCol="0" anchor="ctr"/>
+            <a:lstStyle/>
+            <a:p>
+              <a:pPr algn="ctr"/>
+              <a:r>
+                <a:rPr kumimoji="1" lang="zh-TW" altLang="en-US" dirty="0">
+                  <a:latin typeface="GenSenRounded TW M" panose="020B0500000000000000" pitchFamily="34" charset="-120"/>
+                  <a:ea typeface="GenSenRounded TW M" panose="020B0500000000000000" pitchFamily="34" charset="-120"/>
+                </a:rPr>
+                <a:t>痛點</a:t>
+              </a:r>
+            </a:p>
+          </p:txBody>
+        </p:sp>
+      </p:grpSp>
+      <p:grpSp>
+        <p:nvGrpSpPr>
+          <p:cNvPr id="6" name="群組 5">
+            <a:extLst>
+              <a:ext uri="{FF2B5EF4-FFF2-40B4-BE49-F238E27FC236}">
+                <a16:creationId xmlns:a16="http://schemas.microsoft.com/office/drawing/2014/main" id="{9E1A96C6-33EB-4452-6392-E2E80CF56C2B}"/>
+              </a:ext>
+            </a:extLst>
+          </p:cNvPr>
+          <p:cNvGrpSpPr/>
+          <p:nvPr/>
+        </p:nvGrpSpPr>
+        <p:grpSpPr>
+          <a:xfrm>
+            <a:off x="4381410" y="3343351"/>
+            <a:ext cx="2874973" cy="2158864"/>
+            <a:chOff x="4381410" y="3343351"/>
+            <a:chExt cx="2874973" cy="2158864"/>
+          </a:xfrm>
+        </p:grpSpPr>
+        <p:sp>
+          <p:nvSpPr>
+            <p:cNvPr id="48" name="圓角矩形 47">
+              <a:extLst>
+                <a:ext uri="{FF2B5EF4-FFF2-40B4-BE49-F238E27FC236}">
+                  <a16:creationId xmlns:a16="http://schemas.microsoft.com/office/drawing/2014/main" id="{E1239CC7-42B4-97D1-0E7B-0A1746E1E273}"/>
+                </a:ext>
+              </a:extLst>
+            </p:cNvPr>
+            <p:cNvSpPr/>
+            <p:nvPr/>
+          </p:nvSpPr>
+          <p:spPr>
+            <a:xfrm>
+              <a:off x="4381410" y="3699833"/>
+              <a:ext cx="2874973" cy="1802382"/>
+            </a:xfrm>
+            <a:prstGeom prst="roundRect">
+              <a:avLst/>
+            </a:prstGeom>
+            <a:solidFill>
+              <a:srgbClr val="FFF6E8"/>
+            </a:solidFill>
+            <a:ln w="28575">
+              <a:solidFill>
+                <a:srgbClr val="CD552F"/>
+              </a:solidFill>
+              <a:prstDash val="sysDash"/>
+            </a:ln>
+          </p:spPr>
+          <p:style>
+            <a:lnRef idx="3">
+              <a:schemeClr val="lt1"/>
+            </a:lnRef>
+            <a:fillRef idx="1">
+              <a:schemeClr val="accent2"/>
+            </a:fillRef>
+            <a:effectRef idx="1">
+              <a:schemeClr val="accent2"/>
+            </a:effectRef>
+            <a:fontRef idx="minor">
+              <a:schemeClr val="lt1"/>
+            </a:fontRef>
+          </p:style>
+          <p:txBody>
+            <a:bodyPr rtlCol="0" anchor="ctr"/>
+            <a:lstStyle/>
+            <a:p>
+              <a:pPr>
+                <a:lnSpc>
+                  <a:spcPct val="150000"/>
+                </a:lnSpc>
+              </a:pPr>
+              <a:r>
+                <a:rPr lang="en-US" altLang="zh-TW" sz="1400" spc="300" dirty="0">
+                  <a:solidFill>
+                    <a:srgbClr val="432A0F"/>
+                  </a:solidFill>
+                  <a:effectLst/>
+                  <a:latin typeface="GenSenRounded TW R" panose="020B0500000000000000" pitchFamily="34" charset="-120"/>
+                  <a:ea typeface="GenSenRounded TW R" panose="020B0500000000000000" pitchFamily="34" charset="-120"/>
+                </a:rPr>
+                <a:t>- </a:t>
+              </a:r>
+              <a:r>
+                <a:rPr lang="zh-TW" altLang="en-US" sz="1400" spc="300" dirty="0">
+                  <a:solidFill>
+                    <a:srgbClr val="432A0F"/>
+                  </a:solidFill>
+                  <a:effectLst/>
+                  <a:latin typeface="GenSenRounded TW R" panose="020B0500000000000000" pitchFamily="34" charset="-120"/>
+                  <a:ea typeface="GenSenRounded TW R" panose="020B0500000000000000" pitchFamily="34" charset="-120"/>
+                </a:rPr>
+                <a:t>認識相同價值觀</a:t>
+              </a:r>
+              <a:r>
+                <a:rPr lang="zh-TW" altLang="en-US" sz="1400" spc="300" dirty="0">
+                  <a:solidFill>
+                    <a:srgbClr val="432A0F"/>
+                  </a:solidFill>
+                  <a:latin typeface="GenSenRounded TW R" panose="020B0500000000000000" pitchFamily="34" charset="-120"/>
+                  <a:ea typeface="GenSenRounded TW R" panose="020B0500000000000000" pitchFamily="34" charset="-120"/>
+                </a:rPr>
+                <a:t>的對象</a:t>
+              </a:r>
+              <a:br>
+                <a:rPr lang="zh-TW" altLang="en-US" sz="1400" spc="300" dirty="0">
+                  <a:solidFill>
+                    <a:srgbClr val="432A0F"/>
+                  </a:solidFill>
+                  <a:effectLst/>
+                  <a:latin typeface="GenSenRounded TW R" panose="020B0500000000000000" pitchFamily="34" charset="-120"/>
+                  <a:ea typeface="GenSenRounded TW R" panose="020B0500000000000000" pitchFamily="34" charset="-120"/>
+                </a:rPr>
+              </a:br>
+              <a:r>
+                <a:rPr lang="en-US" altLang="zh-TW" sz="1400" spc="300" dirty="0">
+                  <a:solidFill>
+                    <a:srgbClr val="432A0F"/>
+                  </a:solidFill>
+                  <a:effectLst/>
+                  <a:latin typeface="GenSenRounded TW R" panose="020B0500000000000000" pitchFamily="34" charset="-120"/>
+                  <a:ea typeface="GenSenRounded TW R" panose="020B0500000000000000" pitchFamily="34" charset="-120"/>
+                </a:rPr>
+                <a:t>- </a:t>
+              </a:r>
+              <a:r>
+                <a:rPr lang="zh-TW" altLang="en-US" sz="1400" spc="300" dirty="0">
+                  <a:solidFill>
+                    <a:srgbClr val="432A0F"/>
+                  </a:solidFill>
+                  <a:effectLst/>
+                  <a:latin typeface="GenSenRounded TW R" panose="020B0500000000000000" pitchFamily="34" charset="-120"/>
+                  <a:ea typeface="GenSenRounded TW R" panose="020B0500000000000000" pitchFamily="34" charset="-120"/>
+                </a:rPr>
+                <a:t>一起吃飯、旅遊的伴侶</a:t>
+              </a:r>
+              <a:br>
+                <a:rPr lang="zh-TW" altLang="en-US" sz="1400" spc="300" dirty="0">
+                  <a:solidFill>
+                    <a:srgbClr val="432A0F"/>
+                  </a:solidFill>
+                  <a:effectLst/>
+                  <a:latin typeface="GenSenRounded TW R" panose="020B0500000000000000" pitchFamily="34" charset="-120"/>
+                  <a:ea typeface="GenSenRounded TW R" panose="020B0500000000000000" pitchFamily="34" charset="-120"/>
+                </a:rPr>
+              </a:br>
+              <a:r>
+                <a:rPr lang="en-US" altLang="zh-TW" sz="1400" spc="300" dirty="0">
+                  <a:solidFill>
+                    <a:srgbClr val="432A0F"/>
+                  </a:solidFill>
+                  <a:effectLst/>
+                  <a:latin typeface="GenSenRounded TW R" panose="020B0500000000000000" pitchFamily="34" charset="-120"/>
+                  <a:ea typeface="GenSenRounded TW R" panose="020B0500000000000000" pitchFamily="34" charset="-120"/>
+                </a:rPr>
+                <a:t>- </a:t>
+              </a:r>
+              <a:r>
+                <a:rPr lang="zh-TW" altLang="en-US" sz="1400" spc="300" dirty="0">
+                  <a:solidFill>
+                    <a:srgbClr val="432A0F"/>
+                  </a:solidFill>
+                  <a:effectLst/>
+                  <a:latin typeface="GenSenRounded TW R" panose="020B0500000000000000" pitchFamily="34" charset="-120"/>
+                  <a:ea typeface="GenSenRounded TW R" panose="020B0500000000000000" pitchFamily="34" charset="-120"/>
+                </a:rPr>
+                <a:t>可以以結婚為前提的交往對象</a:t>
+              </a:r>
+              <a:endParaRPr kumimoji="1" lang="zh-TW" altLang="en-US" sz="1400" spc="300" dirty="0">
                 <a:solidFill>
                   <a:srgbClr val="432A0F"/>
                 </a:solidFill>
-                <a:effectLst/>
                 <a:latin typeface="GenSenRounded TW R" panose="020B0500000000000000" pitchFamily="34" charset="-120"/>
                 <a:ea typeface="GenSenRounded TW R" panose="020B0500000000000000" pitchFamily="34" charset="-120"/>
-              </a:rPr>
-            </a:br>
-            <a:r>
-              <a:rPr lang="en-US" altLang="zh-TW" sz="1400" spc="300" dirty="0">
-                <a:solidFill>
-                  <a:srgbClr val="432A0F"/>
-                </a:solidFill>
-                <a:effectLst/>
-                <a:latin typeface="GenSenRounded TW R" panose="020B0500000000000000" pitchFamily="34" charset="-120"/>
-                <a:ea typeface="GenSenRounded TW R" panose="020B0500000000000000" pitchFamily="34" charset="-120"/>
-              </a:rPr>
-              <a:t>- </a:t>
-            </a:r>
-            <a:r>
-              <a:rPr lang="zh-TW" altLang="en-US" sz="1400" spc="300" dirty="0">
-                <a:solidFill>
-                  <a:srgbClr val="432A0F"/>
-                </a:solidFill>
-                <a:effectLst/>
-                <a:latin typeface="GenSenRounded TW R" panose="020B0500000000000000" pitchFamily="34" charset="-120"/>
-                <a:ea typeface="GenSenRounded TW R" panose="020B0500000000000000" pitchFamily="34" charset="-120"/>
-              </a:rPr>
-              <a:t>一起吃飯、旅遊的伴侶</a:t>
-            </a:r>
-            <a:br>
-              <a:rPr lang="zh-TW" altLang="en-US" sz="1400" spc="300" dirty="0">
-                <a:solidFill>
-                  <a:srgbClr val="432A0F"/>
-                </a:solidFill>
-                <a:effectLst/>
-                <a:latin typeface="GenSenRounded TW R" panose="020B0500000000000000" pitchFamily="34" charset="-120"/>
-                <a:ea typeface="GenSenRounded TW R" panose="020B0500000000000000" pitchFamily="34" charset="-120"/>
-              </a:rPr>
-            </a:br>
-            <a:r>
-              <a:rPr lang="en-US" altLang="zh-TW" sz="1400" spc="300" dirty="0">
-                <a:solidFill>
-                  <a:srgbClr val="432A0F"/>
-                </a:solidFill>
-                <a:effectLst/>
-                <a:latin typeface="GenSenRounded TW R" panose="020B0500000000000000" pitchFamily="34" charset="-120"/>
-                <a:ea typeface="GenSenRounded TW R" panose="020B0500000000000000" pitchFamily="34" charset="-120"/>
-              </a:rPr>
-              <a:t>- </a:t>
-            </a:r>
-            <a:r>
-              <a:rPr lang="zh-TW" altLang="en-US" sz="1400" spc="300" dirty="0">
-                <a:solidFill>
-                  <a:srgbClr val="432A0F"/>
-                </a:solidFill>
-                <a:effectLst/>
-                <a:latin typeface="GenSenRounded TW R" panose="020B0500000000000000" pitchFamily="34" charset="-120"/>
-                <a:ea typeface="GenSenRounded TW R" panose="020B0500000000000000" pitchFamily="34" charset="-120"/>
-              </a:rPr>
-              <a:t>可以以結婚為前提的交往對象</a:t>
-            </a:r>
-            <a:endParaRPr kumimoji="1" lang="zh-TW" altLang="en-US" sz="1400" spc="300" dirty="0">
+              </a:endParaRPr>
+            </a:p>
+          </p:txBody>
+        </p:sp>
+        <p:sp>
+          <p:nvSpPr>
+            <p:cNvPr id="46" name="圓角矩形 45">
+              <a:extLst>
+                <a:ext uri="{FF2B5EF4-FFF2-40B4-BE49-F238E27FC236}">
+                  <a16:creationId xmlns:a16="http://schemas.microsoft.com/office/drawing/2014/main" id="{A69154FF-2EA9-8192-602A-C33D33286CAF}"/>
+                </a:ext>
+              </a:extLst>
+            </p:cNvPr>
+            <p:cNvSpPr/>
+            <p:nvPr/>
+          </p:nvSpPr>
+          <p:spPr>
+            <a:xfrm>
+              <a:off x="5248261" y="3343351"/>
+              <a:ext cx="1141271" cy="639901"/>
+            </a:xfrm>
+            <a:prstGeom prst="roundRect">
+              <a:avLst/>
+            </a:prstGeom>
+            <a:solidFill>
+              <a:srgbClr val="CD552F"/>
+            </a:solidFill>
+            <a:ln>
               <a:solidFill>
-                <a:srgbClr val="432A0F"/>
+                <a:srgbClr val="CD562F"/>
               </a:solidFill>
-              <a:latin typeface="GenSenRounded TW R" panose="020B0500000000000000" pitchFamily="34" charset="-120"/>
-              <a:ea typeface="GenSenRounded TW R" panose="020B0500000000000000" pitchFamily="34" charset="-120"/>
-            </a:endParaRPr>
-          </a:p>
-        </p:txBody>
-      </p:sp>
-      <p:sp>
-        <p:nvSpPr>
-          <p:cNvPr id="46" name="圓角矩形 45">
-            <a:extLst>
-              <a:ext uri="{FF2B5EF4-FFF2-40B4-BE49-F238E27FC236}">
-                <a16:creationId xmlns:a16="http://schemas.microsoft.com/office/drawing/2014/main" id="{A69154FF-2EA9-8192-602A-C33D33286CAF}"/>
-              </a:ext>
-            </a:extLst>
-          </p:cNvPr>
-          <p:cNvSpPr/>
-          <p:nvPr/>
-        </p:nvSpPr>
-        <p:spPr>
-          <a:xfrm>
-            <a:off x="5248261" y="3343351"/>
-            <a:ext cx="1141271" cy="639901"/>
-          </a:xfrm>
-          <a:prstGeom prst="roundRect">
-            <a:avLst/>
-          </a:prstGeom>
-          <a:solidFill>
-            <a:srgbClr val="CD552F"/>
-          </a:solidFill>
-          <a:ln>
-            <a:solidFill>
-              <a:srgbClr val="CD562F"/>
-            </a:solidFill>
-          </a:ln>
-        </p:spPr>
-        <p:style>
-          <a:lnRef idx="2">
-            <a:schemeClr val="accent2">
-              <a:shade val="50000"/>
-            </a:schemeClr>
-          </a:lnRef>
-          <a:fillRef idx="1">
-            <a:schemeClr val="accent2"/>
-          </a:fillRef>
-          <a:effectRef idx="0">
-            <a:schemeClr val="accent2"/>
-          </a:effectRef>
-          <a:fontRef idx="minor">
-            <a:schemeClr val="lt1"/>
-          </a:fontRef>
-        </p:style>
-        <p:txBody>
-          <a:bodyPr rtlCol="0" anchor="ctr"/>
-          <a:lstStyle/>
-          <a:p>
-            <a:pPr algn="ctr"/>
-            <a:r>
-              <a:rPr kumimoji="1" lang="zh-TW" altLang="en-US" dirty="0">
-                <a:latin typeface="GenSenRounded TW M" panose="020B0500000000000000" pitchFamily="34" charset="-120"/>
-                <a:ea typeface="GenSenRounded TW M" panose="020B0500000000000000" pitchFamily="34" charset="-120"/>
-              </a:rPr>
-              <a:t>想獲得</a:t>
-            </a:r>
-          </a:p>
-        </p:txBody>
-      </p:sp>
+            </a:ln>
+          </p:spPr>
+          <p:style>
+            <a:lnRef idx="2">
+              <a:schemeClr val="accent2">
+                <a:shade val="50000"/>
+              </a:schemeClr>
+            </a:lnRef>
+            <a:fillRef idx="1">
+              <a:schemeClr val="accent2"/>
+            </a:fillRef>
+            <a:effectRef idx="0">
+              <a:schemeClr val="accent2"/>
+            </a:effectRef>
+            <a:fontRef idx="minor">
+              <a:schemeClr val="lt1"/>
+            </a:fontRef>
+          </p:style>
+          <p:txBody>
+            <a:bodyPr rtlCol="0" anchor="ctr"/>
+            <a:lstStyle/>
+            <a:p>
+              <a:pPr algn="ctr"/>
+              <a:r>
+                <a:rPr kumimoji="1" lang="zh-TW" altLang="en-US" dirty="0">
+                  <a:latin typeface="GenSenRounded TW M" panose="020B0500000000000000" pitchFamily="34" charset="-120"/>
+                  <a:ea typeface="GenSenRounded TW M" panose="020B0500000000000000" pitchFamily="34" charset="-120"/>
+                </a:rPr>
+                <a:t>想獲得</a:t>
+              </a:r>
+            </a:p>
+          </p:txBody>
+        </p:sp>
+      </p:grpSp>
       <p:pic>
         <p:nvPicPr>
           <p:cNvPr id="3" name="圖片 2">
@@ -5036,6 +5078,126 @@
   <p:clrMapOvr>
     <a:masterClrMapping/>
   </p:clrMapOvr>
+  <p:timing>
+    <p:tnLst>
+      <p:par>
+        <p:cTn id="1" dur="indefinite" restart="never" nodeType="tmRoot">
+          <p:childTnLst>
+            <p:seq concurrent="1" nextAc="seek">
+              <p:cTn id="2" dur="indefinite" nodeType="mainSeq">
+                <p:childTnLst>
+                  <p:par>
+                    <p:cTn id="3" fill="hold">
+                      <p:stCondLst>
+                        <p:cond delay="indefinite"/>
+                      </p:stCondLst>
+                      <p:childTnLst>
+                        <p:par>
+                          <p:cTn id="4" fill="hold">
+                            <p:stCondLst>
+                              <p:cond delay="0"/>
+                            </p:stCondLst>
+                            <p:childTnLst>
+                              <p:par>
+                                <p:cTn id="5" presetID="1" presetClass="entr" presetSubtype="0" fill="hold" nodeType="clickEffect">
+                                  <p:stCondLst>
+                                    <p:cond delay="0"/>
+                                  </p:stCondLst>
+                                  <p:childTnLst>
+                                    <p:set>
+                                      <p:cBhvr>
+                                        <p:cTn id="6" dur="1" fill="hold">
+                                          <p:stCondLst>
+                                            <p:cond delay="0"/>
+                                          </p:stCondLst>
+                                        </p:cTn>
+                                        <p:tgtEl>
+                                          <p:spTgt spid="2"/>
+                                        </p:tgtEl>
+                                        <p:attrNameLst>
+                                          <p:attrName>style.visibility</p:attrName>
+                                        </p:attrNameLst>
+                                      </p:cBhvr>
+                                      <p:to>
+                                        <p:strVal val="visible"/>
+                                      </p:to>
+                                    </p:set>
+                                  </p:childTnLst>
+                                </p:cTn>
+                              </p:par>
+                            </p:childTnLst>
+                          </p:cTn>
+                        </p:par>
+                      </p:childTnLst>
+                    </p:cTn>
+                  </p:par>
+                  <p:par>
+                    <p:cTn id="7" fill="hold">
+                      <p:stCondLst>
+                        <p:cond delay="indefinite"/>
+                      </p:stCondLst>
+                      <p:childTnLst>
+                        <p:par>
+                          <p:cTn id="8" fill="hold">
+                            <p:stCondLst>
+                              <p:cond delay="0"/>
+                            </p:stCondLst>
+                            <p:childTnLst>
+                              <p:par>
+                                <p:cTn id="9" presetID="1" presetClass="entr" presetSubtype="0" fill="hold" nodeType="clickEffect">
+                                  <p:stCondLst>
+                                    <p:cond delay="0"/>
+                                  </p:stCondLst>
+                                  <p:childTnLst>
+                                    <p:set>
+                                      <p:cBhvr>
+                                        <p:cTn id="10" dur="1" fill="hold">
+                                          <p:stCondLst>
+                                            <p:cond delay="0"/>
+                                          </p:stCondLst>
+                                        </p:cTn>
+                                        <p:tgtEl>
+                                          <p:spTgt spid="6"/>
+                                        </p:tgtEl>
+                                        <p:attrNameLst>
+                                          <p:attrName>style.visibility</p:attrName>
+                                        </p:attrNameLst>
+                                      </p:cBhvr>
+                                      <p:to>
+                                        <p:strVal val="visible"/>
+                                      </p:to>
+                                    </p:set>
+                                  </p:childTnLst>
+                                </p:cTn>
+                              </p:par>
+                            </p:childTnLst>
+                          </p:cTn>
+                        </p:par>
+                      </p:childTnLst>
+                    </p:cTn>
+                  </p:par>
+                </p:childTnLst>
+              </p:cTn>
+              <p:prevCondLst>
+                <p:cond evt="onPrev" delay="0">
+                  <p:tgtEl>
+                    <p:sldTgt/>
+                  </p:tgtEl>
+                </p:cond>
+              </p:prevCondLst>
+              <p:nextCondLst>
+                <p:cond evt="onNext" delay="0">
+                  <p:tgtEl>
+                    <p:sldTgt/>
+                  </p:tgtEl>
+                </p:cond>
+              </p:nextCondLst>
+            </p:seq>
+          </p:childTnLst>
+        </p:cTn>
+      </p:par>
+    </p:tnLst>
+  </p:timing>
 </p:sld>
 </file>
 
@@ -17173,424 +17335,466 @@
           </a:p>
         </p:txBody>
       </p:sp>
-      <p:sp>
-        <p:nvSpPr>
-          <p:cNvPr id="47" name="圓角矩形 46">
-            <a:extLst>
-              <a:ext uri="{FF2B5EF4-FFF2-40B4-BE49-F238E27FC236}">
-                <a16:creationId xmlns:a16="http://schemas.microsoft.com/office/drawing/2014/main" id="{DEFD24CC-CF7D-B1D8-67B9-4397B267080D}"/>
-              </a:ext>
-            </a:extLst>
-          </p:cNvPr>
-          <p:cNvSpPr/>
+      <p:grpSp>
+        <p:nvGrpSpPr>
+          <p:cNvPr id="3" name="群組 2">
+            <a:extLst>
+              <a:ext uri="{FF2B5EF4-FFF2-40B4-BE49-F238E27FC236}">
+                <a16:creationId xmlns:a16="http://schemas.microsoft.com/office/drawing/2014/main" id="{E670C36B-EC88-9D98-A6D0-1BB9DB56A4CC}"/>
+              </a:ext>
+            </a:extLst>
+          </p:cNvPr>
+          <p:cNvGrpSpPr/>
           <p:nvPr/>
-        </p:nvSpPr>
-        <p:spPr>
+        </p:nvGrpSpPr>
+        <p:grpSpPr>
           <a:xfrm>
-            <a:off x="730251" y="3847188"/>
-            <a:ext cx="2874973" cy="1802382"/>
+            <a:off x="730251" y="3492126"/>
+            <a:ext cx="2874973" cy="2157444"/>
+            <a:chOff x="730251" y="3492126"/>
+            <a:chExt cx="2874973" cy="2157444"/>
           </a:xfrm>
-          <a:prstGeom prst="roundRect">
-            <a:avLst/>
-          </a:prstGeom>
-          <a:solidFill>
-            <a:srgbClr val="FFF6E8"/>
-          </a:solidFill>
-          <a:ln w="28575">
+        </p:grpSpPr>
+        <p:sp>
+          <p:nvSpPr>
+            <p:cNvPr id="47" name="圓角矩形 46">
+              <a:extLst>
+                <a:ext uri="{FF2B5EF4-FFF2-40B4-BE49-F238E27FC236}">
+                  <a16:creationId xmlns:a16="http://schemas.microsoft.com/office/drawing/2014/main" id="{DEFD24CC-CF7D-B1D8-67B9-4397B267080D}"/>
+                </a:ext>
+              </a:extLst>
+            </p:cNvPr>
+            <p:cNvSpPr/>
+            <p:nvPr/>
+          </p:nvSpPr>
+          <p:spPr>
+            <a:xfrm>
+              <a:off x="730251" y="3847188"/>
+              <a:ext cx="2874973" cy="1802382"/>
+            </a:xfrm>
+            <a:prstGeom prst="roundRect">
+              <a:avLst/>
+            </a:prstGeom>
+            <a:solidFill>
+              <a:srgbClr val="FFF6E8"/>
+            </a:solidFill>
+            <a:ln w="28575">
+              <a:solidFill>
+                <a:srgbClr val="CD552F"/>
+              </a:solidFill>
+              <a:prstDash val="sysDash"/>
+            </a:ln>
+          </p:spPr>
+          <p:style>
+            <a:lnRef idx="3">
+              <a:schemeClr val="lt1"/>
+            </a:lnRef>
+            <a:fillRef idx="1">
+              <a:schemeClr val="accent2"/>
+            </a:fillRef>
+            <a:effectRef idx="1">
+              <a:schemeClr val="accent2"/>
+            </a:effectRef>
+            <a:fontRef idx="minor">
+              <a:schemeClr val="lt1"/>
+            </a:fontRef>
+          </p:style>
+          <p:txBody>
+            <a:bodyPr rtlCol="0" anchor="ctr"/>
+            <a:lstStyle/>
+            <a:p>
+              <a:pPr>
+                <a:lnSpc>
+                  <a:spcPct val="150000"/>
+                </a:lnSpc>
+              </a:pPr>
+              <a:r>
+                <a:rPr lang="en-US" altLang="zh-TW" sz="1400" spc="300" dirty="0">
+                  <a:solidFill>
+                    <a:srgbClr val="432A0F"/>
+                  </a:solidFill>
+                  <a:effectLst/>
+                  <a:latin typeface="GenSenRounded TW R" panose="020B0500000000000000" pitchFamily="34" charset="-120"/>
+                  <a:ea typeface="GenSenRounded TW R" panose="020B0500000000000000" pitchFamily="34" charset="-120"/>
+                </a:rPr>
+                <a:t>- </a:t>
+              </a:r>
+              <a:r>
+                <a:rPr lang="zh-TW" altLang="en-US" sz="1400" spc="300" dirty="0">
+                  <a:solidFill>
+                    <a:srgbClr val="432A0F"/>
+                  </a:solidFill>
+                  <a:effectLst/>
+                  <a:latin typeface="GenSenRounded TW R" panose="020B0500000000000000" pitchFamily="34" charset="-120"/>
+                  <a:ea typeface="GenSenRounded TW R" panose="020B0500000000000000" pitchFamily="34" charset="-120"/>
+                </a:rPr>
+                <a:t>找不到說走就走的伴</a:t>
+              </a:r>
+              <a:br>
+                <a:rPr lang="zh-TW" altLang="en-US" sz="1400" spc="300" dirty="0">
+                  <a:solidFill>
+                    <a:srgbClr val="432A0F"/>
+                  </a:solidFill>
+                  <a:effectLst/>
+                  <a:latin typeface="GenSenRounded TW R" panose="020B0500000000000000" pitchFamily="34" charset="-120"/>
+                  <a:ea typeface="GenSenRounded TW R" panose="020B0500000000000000" pitchFamily="34" charset="-120"/>
+                </a:rPr>
+              </a:br>
+              <a:r>
+                <a:rPr lang="en-US" altLang="zh-TW" sz="1400" spc="300" dirty="0">
+                  <a:solidFill>
+                    <a:srgbClr val="432A0F"/>
+                  </a:solidFill>
+                  <a:effectLst/>
+                  <a:latin typeface="GenSenRounded TW R" panose="020B0500000000000000" pitchFamily="34" charset="-120"/>
+                  <a:ea typeface="GenSenRounded TW R" panose="020B0500000000000000" pitchFamily="34" charset="-120"/>
+                </a:rPr>
+                <a:t>-</a:t>
+              </a:r>
+              <a:r>
+                <a:rPr lang="zh-TW" altLang="en-US" sz="1400" spc="300" dirty="0">
+                  <a:solidFill>
+                    <a:srgbClr val="432A0F"/>
+                  </a:solidFill>
+                  <a:effectLst/>
+                  <a:latin typeface="GenSenRounded TW R" panose="020B0500000000000000" pitchFamily="34" charset="-120"/>
+                  <a:ea typeface="GenSenRounded TW R" panose="020B0500000000000000" pitchFamily="34" charset="-120"/>
+                </a:rPr>
+                <a:t> 不知道怎麼認識新對象</a:t>
+              </a:r>
+              <a:br>
+                <a:rPr lang="zh-TW" altLang="en-US" sz="1400" spc="300" dirty="0">
+                  <a:solidFill>
+                    <a:srgbClr val="432A0F"/>
+                  </a:solidFill>
+                  <a:effectLst/>
+                  <a:latin typeface="GenSenRounded TW R" panose="020B0500000000000000" pitchFamily="34" charset="-120"/>
+                  <a:ea typeface="GenSenRounded TW R" panose="020B0500000000000000" pitchFamily="34" charset="-120"/>
+                </a:rPr>
+              </a:br>
+              <a:r>
+                <a:rPr lang="en-US" altLang="zh-TW" sz="1400" spc="300" dirty="0">
+                  <a:solidFill>
+                    <a:srgbClr val="432A0F"/>
+                  </a:solidFill>
+                  <a:effectLst/>
+                  <a:latin typeface="GenSenRounded TW R" panose="020B0500000000000000" pitchFamily="34" charset="-120"/>
+                  <a:ea typeface="GenSenRounded TW R" panose="020B0500000000000000" pitchFamily="34" charset="-120"/>
+                </a:rPr>
+                <a:t>-</a:t>
+              </a:r>
+              <a:r>
+                <a:rPr lang="zh-TW" altLang="en-US" sz="1400" spc="300" dirty="0">
+                  <a:solidFill>
+                    <a:srgbClr val="432A0F"/>
+                  </a:solidFill>
+                  <a:effectLst/>
+                  <a:latin typeface="GenSenRounded TW R" panose="020B0500000000000000" pitchFamily="34" charset="-120"/>
+                  <a:ea typeface="GenSenRounded TW R" panose="020B0500000000000000" pitchFamily="34" charset="-120"/>
+                </a:rPr>
+                <a:t> 拜月老方式都不一樣</a:t>
+              </a:r>
+              <a:endParaRPr kumimoji="1" lang="zh-TW" altLang="en-US" sz="1400" spc="300" dirty="0">
+                <a:solidFill>
+                  <a:srgbClr val="432A0F"/>
+                </a:solidFill>
+                <a:latin typeface="GenSenRounded TW R" panose="020B0500000000000000" pitchFamily="34" charset="-120"/>
+                <a:ea typeface="GenSenRounded TW R" panose="020B0500000000000000" pitchFamily="34" charset="-120"/>
+              </a:endParaRPr>
+            </a:p>
+          </p:txBody>
+        </p:sp>
+        <p:sp>
+          <p:nvSpPr>
+            <p:cNvPr id="44" name="圓角矩形 43">
+              <a:extLst>
+                <a:ext uri="{FF2B5EF4-FFF2-40B4-BE49-F238E27FC236}">
+                  <a16:creationId xmlns:a16="http://schemas.microsoft.com/office/drawing/2014/main" id="{074BE631-F08A-FF0D-23B6-CAEF65B030FF}"/>
+                </a:ext>
+              </a:extLst>
+            </p:cNvPr>
+            <p:cNvSpPr/>
+            <p:nvPr/>
+          </p:nvSpPr>
+          <p:spPr>
+            <a:xfrm>
+              <a:off x="1597102" y="3492126"/>
+              <a:ext cx="1141271" cy="639901"/>
+            </a:xfrm>
+            <a:prstGeom prst="roundRect">
+              <a:avLst/>
+            </a:prstGeom>
             <a:solidFill>
               <a:srgbClr val="CD552F"/>
             </a:solidFill>
-            <a:prstDash val="sysDash"/>
-          </a:ln>
-        </p:spPr>
-        <p:style>
-          <a:lnRef idx="3">
-            <a:schemeClr val="lt1"/>
-          </a:lnRef>
-          <a:fillRef idx="1">
-            <a:schemeClr val="accent2"/>
-          </a:fillRef>
-          <a:effectRef idx="1">
-            <a:schemeClr val="accent2"/>
-          </a:effectRef>
-          <a:fontRef idx="minor">
-            <a:schemeClr val="lt1"/>
-          </a:fontRef>
-        </p:style>
-        <p:txBody>
-          <a:bodyPr rtlCol="0" anchor="ctr"/>
-          <a:lstStyle/>
-          <a:p>
-            <a:pPr>
-              <a:lnSpc>
-                <a:spcPct val="150000"/>
-              </a:lnSpc>
-            </a:pPr>
-            <a:r>
-              <a:rPr lang="en-US" altLang="zh-TW" sz="1400" spc="300" dirty="0">
+            <a:ln>
+              <a:solidFill>
+                <a:srgbClr val="CD562F"/>
+              </a:solidFill>
+            </a:ln>
+          </p:spPr>
+          <p:style>
+            <a:lnRef idx="2">
+              <a:schemeClr val="accent2">
+                <a:shade val="50000"/>
+              </a:schemeClr>
+            </a:lnRef>
+            <a:fillRef idx="1">
+              <a:schemeClr val="accent2"/>
+            </a:fillRef>
+            <a:effectRef idx="0">
+              <a:schemeClr val="accent2"/>
+            </a:effectRef>
+            <a:fontRef idx="minor">
+              <a:schemeClr val="lt1"/>
+            </a:fontRef>
+          </p:style>
+          <p:txBody>
+            <a:bodyPr rtlCol="0" anchor="ctr"/>
+            <a:lstStyle/>
+            <a:p>
+              <a:pPr algn="ctr"/>
+              <a:r>
+                <a:rPr kumimoji="1" lang="zh-TW" altLang="en-US" dirty="0">
+                  <a:latin typeface="GenSenRounded TW M" panose="020B0500000000000000" pitchFamily="34" charset="-120"/>
+                  <a:ea typeface="GenSenRounded TW M" panose="020B0500000000000000" pitchFamily="34" charset="-120"/>
+                </a:rPr>
+                <a:t>痛點</a:t>
+              </a:r>
+            </a:p>
+          </p:txBody>
+        </p:sp>
+      </p:grpSp>
+      <p:grpSp>
+        <p:nvGrpSpPr>
+          <p:cNvPr id="5" name="群組 4">
+            <a:extLst>
+              <a:ext uri="{FF2B5EF4-FFF2-40B4-BE49-F238E27FC236}">
+                <a16:creationId xmlns:a16="http://schemas.microsoft.com/office/drawing/2014/main" id="{72D12EFA-A2F4-20EC-0DA8-4CD5576EE50D}"/>
+              </a:ext>
+            </a:extLst>
+          </p:cNvPr>
+          <p:cNvGrpSpPr/>
+          <p:nvPr/>
+        </p:nvGrpSpPr>
+        <p:grpSpPr>
+          <a:xfrm>
+            <a:off x="4374873" y="3490706"/>
+            <a:ext cx="2874973" cy="2158864"/>
+            <a:chOff x="4374873" y="3490706"/>
+            <a:chExt cx="2874973" cy="2158864"/>
+          </a:xfrm>
+        </p:grpSpPr>
+        <p:sp>
+          <p:nvSpPr>
+            <p:cNvPr id="48" name="圓角矩形 47">
+              <a:extLst>
+                <a:ext uri="{FF2B5EF4-FFF2-40B4-BE49-F238E27FC236}">
+                  <a16:creationId xmlns:a16="http://schemas.microsoft.com/office/drawing/2014/main" id="{E1239CC7-42B4-97D1-0E7B-0A1746E1E273}"/>
+                </a:ext>
+              </a:extLst>
+            </p:cNvPr>
+            <p:cNvSpPr/>
+            <p:nvPr/>
+          </p:nvSpPr>
+          <p:spPr>
+            <a:xfrm>
+              <a:off x="4374873" y="3847188"/>
+              <a:ext cx="2874973" cy="1802382"/>
+            </a:xfrm>
+            <a:prstGeom prst="roundRect">
+              <a:avLst/>
+            </a:prstGeom>
+            <a:solidFill>
+              <a:srgbClr val="FFF6E8"/>
+            </a:solidFill>
+            <a:ln w="28575">
+              <a:solidFill>
+                <a:srgbClr val="CD552F"/>
+              </a:solidFill>
+              <a:prstDash val="sysDash"/>
+            </a:ln>
+          </p:spPr>
+          <p:style>
+            <a:lnRef idx="3">
+              <a:schemeClr val="lt1"/>
+            </a:lnRef>
+            <a:fillRef idx="1">
+              <a:schemeClr val="accent2"/>
+            </a:fillRef>
+            <a:effectRef idx="1">
+              <a:schemeClr val="accent2"/>
+            </a:effectRef>
+            <a:fontRef idx="minor">
+              <a:schemeClr val="lt1"/>
+            </a:fontRef>
+          </p:style>
+          <p:txBody>
+            <a:bodyPr rtlCol="0" anchor="ctr"/>
+            <a:lstStyle/>
+            <a:p>
+              <a:pPr>
+                <a:lnSpc>
+                  <a:spcPct val="150000"/>
+                </a:lnSpc>
+              </a:pPr>
+              <a:r>
+                <a:rPr lang="en-US" altLang="zh-TW" sz="1400" spc="300" dirty="0">
+                  <a:solidFill>
+                    <a:srgbClr val="432A0F"/>
+                  </a:solidFill>
+                  <a:effectLst/>
+                  <a:latin typeface="GenSenRounded TW R" panose="020B0500000000000000" pitchFamily="34" charset="-120"/>
+                  <a:ea typeface="GenSenRounded TW R" panose="020B0500000000000000" pitchFamily="34" charset="-120"/>
+                </a:rPr>
+                <a:t>-</a:t>
+              </a:r>
+              <a:r>
+                <a:rPr lang="zh-TW" altLang="en-US" sz="1400" spc="300" dirty="0">
+                  <a:solidFill>
+                    <a:srgbClr val="432A0F"/>
+                  </a:solidFill>
+                  <a:effectLst/>
+                  <a:latin typeface="GenSenRounded TW R" panose="020B0500000000000000" pitchFamily="34" charset="-120"/>
+                  <a:ea typeface="GenSenRounded TW R" panose="020B0500000000000000" pitchFamily="34" charset="-120"/>
+                </a:rPr>
+                <a:t>愛與歸屬</a:t>
+              </a:r>
+              <a:br>
+                <a:rPr lang="zh-TW" altLang="en-US" sz="1400" spc="300" dirty="0">
+                  <a:solidFill>
+                    <a:srgbClr val="432A0F"/>
+                  </a:solidFill>
+                  <a:effectLst/>
+                  <a:latin typeface="GenSenRounded TW R" panose="020B0500000000000000" pitchFamily="34" charset="-120"/>
+                  <a:ea typeface="GenSenRounded TW R" panose="020B0500000000000000" pitchFamily="34" charset="-120"/>
+                </a:rPr>
+              </a:br>
+              <a:r>
+                <a:rPr lang="en-US" altLang="zh-TW" sz="1400" spc="300" dirty="0">
+                  <a:solidFill>
+                    <a:srgbClr val="432A0F"/>
+                  </a:solidFill>
+                  <a:effectLst/>
+                  <a:latin typeface="GenSenRounded TW R" panose="020B0500000000000000" pitchFamily="34" charset="-120"/>
+                  <a:ea typeface="GenSenRounded TW R" panose="020B0500000000000000" pitchFamily="34" charset="-120"/>
+                </a:rPr>
+                <a:t>-</a:t>
+              </a:r>
+              <a:r>
+                <a:rPr lang="zh-TW" altLang="en-US" sz="1400" spc="300" dirty="0">
+                  <a:solidFill>
+                    <a:srgbClr val="432A0F"/>
+                  </a:solidFill>
+                  <a:effectLst/>
+                  <a:latin typeface="GenSenRounded TW R" panose="020B0500000000000000" pitchFamily="34" charset="-120"/>
+                  <a:ea typeface="GenSenRounded TW R" panose="020B0500000000000000" pitchFamily="34" charset="-120"/>
+                </a:rPr>
+                <a:t>找到理想對象，成功脫單</a:t>
+              </a:r>
+              <a:br>
+                <a:rPr lang="zh-TW" altLang="en-US" sz="1400" spc="300" dirty="0">
+                  <a:solidFill>
+                    <a:srgbClr val="432A0F"/>
+                  </a:solidFill>
+                  <a:effectLst/>
+                  <a:latin typeface="GenSenRounded TW R" panose="020B0500000000000000" pitchFamily="34" charset="-120"/>
+                  <a:ea typeface="GenSenRounded TW R" panose="020B0500000000000000" pitchFamily="34" charset="-120"/>
+                </a:rPr>
+              </a:br>
+              <a:r>
+                <a:rPr lang="en-US" altLang="zh-TW" sz="1400" spc="300" dirty="0">
+                  <a:solidFill>
+                    <a:srgbClr val="432A0F"/>
+                  </a:solidFill>
+                  <a:effectLst/>
+                  <a:latin typeface="GenSenRounded TW R" panose="020B0500000000000000" pitchFamily="34" charset="-120"/>
+                  <a:ea typeface="GenSenRounded TW R" panose="020B0500000000000000" pitchFamily="34" charset="-120"/>
+                </a:rPr>
+                <a:t>-</a:t>
+              </a:r>
+              <a:r>
+                <a:rPr lang="zh-TW" altLang="en-US" sz="1400" spc="300" dirty="0">
+                  <a:solidFill>
+                    <a:srgbClr val="432A0F"/>
+                  </a:solidFill>
+                  <a:effectLst/>
+                  <a:latin typeface="GenSenRounded TW R" panose="020B0500000000000000" pitchFamily="34" charset="-120"/>
+                  <a:ea typeface="GenSenRounded TW R" panose="020B0500000000000000" pitchFamily="34" charset="-120"/>
+                </a:rPr>
+                <a:t>想知道哪一個月老廟最靈</a:t>
+              </a:r>
+              <a:endParaRPr kumimoji="1" lang="zh-TW" altLang="en-US" sz="1400" spc="300" dirty="0">
                 <a:solidFill>
                   <a:srgbClr val="432A0F"/>
                 </a:solidFill>
-                <a:effectLst/>
                 <a:latin typeface="GenSenRounded TW R" panose="020B0500000000000000" pitchFamily="34" charset="-120"/>
                 <a:ea typeface="GenSenRounded TW R" panose="020B0500000000000000" pitchFamily="34" charset="-120"/>
-              </a:rPr>
-              <a:t>- </a:t>
-            </a:r>
-            <a:r>
-              <a:rPr lang="zh-TW" altLang="en-US" sz="1400" spc="300" dirty="0">
-                <a:solidFill>
-                  <a:srgbClr val="432A0F"/>
-                </a:solidFill>
-                <a:effectLst/>
-                <a:latin typeface="GenSenRounded TW R" panose="020B0500000000000000" pitchFamily="34" charset="-120"/>
-                <a:ea typeface="GenSenRounded TW R" panose="020B0500000000000000" pitchFamily="34" charset="-120"/>
-              </a:rPr>
-              <a:t>找不到說走就走的伴</a:t>
-            </a:r>
-            <a:br>
-              <a:rPr lang="zh-TW" altLang="en-US" sz="1400" spc="300" dirty="0">
-                <a:solidFill>
-                  <a:srgbClr val="432A0F"/>
-                </a:solidFill>
-                <a:effectLst/>
-                <a:latin typeface="GenSenRounded TW R" panose="020B0500000000000000" pitchFamily="34" charset="-120"/>
-                <a:ea typeface="GenSenRounded TW R" panose="020B0500000000000000" pitchFamily="34" charset="-120"/>
-              </a:rPr>
-            </a:br>
-            <a:r>
-              <a:rPr lang="en-US" altLang="zh-TW" sz="1400" spc="300" dirty="0">
-                <a:solidFill>
-                  <a:srgbClr val="432A0F"/>
-                </a:solidFill>
-                <a:effectLst/>
-                <a:latin typeface="GenSenRounded TW R" panose="020B0500000000000000" pitchFamily="34" charset="-120"/>
-                <a:ea typeface="GenSenRounded TW R" panose="020B0500000000000000" pitchFamily="34" charset="-120"/>
-              </a:rPr>
-              <a:t>-</a:t>
-            </a:r>
-            <a:r>
-              <a:rPr lang="zh-TW" altLang="en-US" sz="1400" spc="300" dirty="0">
-                <a:solidFill>
-                  <a:srgbClr val="432A0F"/>
-                </a:solidFill>
-                <a:effectLst/>
-                <a:latin typeface="GenSenRounded TW R" panose="020B0500000000000000" pitchFamily="34" charset="-120"/>
-                <a:ea typeface="GenSenRounded TW R" panose="020B0500000000000000" pitchFamily="34" charset="-120"/>
-              </a:rPr>
-              <a:t> 不知道怎麼認識新對象</a:t>
-            </a:r>
-            <a:br>
-              <a:rPr lang="zh-TW" altLang="en-US" sz="1400" spc="300" dirty="0">
-                <a:solidFill>
-                  <a:srgbClr val="432A0F"/>
-                </a:solidFill>
-                <a:effectLst/>
-                <a:latin typeface="GenSenRounded TW R" panose="020B0500000000000000" pitchFamily="34" charset="-120"/>
-                <a:ea typeface="GenSenRounded TW R" panose="020B0500000000000000" pitchFamily="34" charset="-120"/>
-              </a:rPr>
-            </a:br>
-            <a:r>
-              <a:rPr lang="en-US" altLang="zh-TW" sz="1400" spc="300" dirty="0">
-                <a:solidFill>
-                  <a:srgbClr val="432A0F"/>
-                </a:solidFill>
-                <a:effectLst/>
-                <a:latin typeface="GenSenRounded TW R" panose="020B0500000000000000" pitchFamily="34" charset="-120"/>
-                <a:ea typeface="GenSenRounded TW R" panose="020B0500000000000000" pitchFamily="34" charset="-120"/>
-              </a:rPr>
-              <a:t>-</a:t>
-            </a:r>
-            <a:r>
-              <a:rPr lang="zh-TW" altLang="en-US" sz="1400" spc="300" dirty="0">
-                <a:solidFill>
-                  <a:srgbClr val="432A0F"/>
-                </a:solidFill>
-                <a:effectLst/>
-                <a:latin typeface="GenSenRounded TW R" panose="020B0500000000000000" pitchFamily="34" charset="-120"/>
-                <a:ea typeface="GenSenRounded TW R" panose="020B0500000000000000" pitchFamily="34" charset="-120"/>
-              </a:rPr>
-              <a:t> 拜月老方式都不一樣</a:t>
-            </a:r>
-            <a:endParaRPr kumimoji="1" lang="zh-TW" altLang="en-US" sz="1400" spc="300" dirty="0">
-              <a:solidFill>
-                <a:srgbClr val="432A0F"/>
-              </a:solidFill>
-              <a:latin typeface="GenSenRounded TW R" panose="020B0500000000000000" pitchFamily="34" charset="-120"/>
-              <a:ea typeface="GenSenRounded TW R" panose="020B0500000000000000" pitchFamily="34" charset="-120"/>
-            </a:endParaRPr>
-          </a:p>
-        </p:txBody>
-      </p:sp>
-      <p:sp>
-        <p:nvSpPr>
-          <p:cNvPr id="44" name="圓角矩形 43">
-            <a:extLst>
-              <a:ext uri="{FF2B5EF4-FFF2-40B4-BE49-F238E27FC236}">
-                <a16:creationId xmlns:a16="http://schemas.microsoft.com/office/drawing/2014/main" id="{074BE631-F08A-FF0D-23B6-CAEF65B030FF}"/>
-              </a:ext>
-            </a:extLst>
-          </p:cNvPr>
-          <p:cNvSpPr/>
-          <p:nvPr/>
-        </p:nvSpPr>
-        <p:spPr>
-          <a:xfrm>
-            <a:off x="1597102" y="3492126"/>
-            <a:ext cx="1141271" cy="639901"/>
-          </a:xfrm>
-          <a:prstGeom prst="roundRect">
-            <a:avLst/>
-          </a:prstGeom>
-          <a:solidFill>
-            <a:srgbClr val="CD552F"/>
-          </a:solidFill>
-          <a:ln>
-            <a:solidFill>
-              <a:srgbClr val="CD562F"/>
-            </a:solidFill>
-          </a:ln>
-        </p:spPr>
-        <p:style>
-          <a:lnRef idx="2">
-            <a:schemeClr val="accent2">
-              <a:shade val="50000"/>
-            </a:schemeClr>
-          </a:lnRef>
-          <a:fillRef idx="1">
-            <a:schemeClr val="accent2"/>
-          </a:fillRef>
-          <a:effectRef idx="0">
-            <a:schemeClr val="accent2"/>
-          </a:effectRef>
-          <a:fontRef idx="minor">
-            <a:schemeClr val="lt1"/>
-          </a:fontRef>
-        </p:style>
-        <p:txBody>
-          <a:bodyPr rtlCol="0" anchor="ctr"/>
-          <a:lstStyle/>
-          <a:p>
-            <a:pPr algn="ctr"/>
-            <a:r>
-              <a:rPr kumimoji="1" lang="zh-TW" altLang="en-US" dirty="0">
-                <a:latin typeface="GenSenRounded TW M" panose="020B0500000000000000" pitchFamily="34" charset="-120"/>
-                <a:ea typeface="GenSenRounded TW M" panose="020B0500000000000000" pitchFamily="34" charset="-120"/>
-              </a:rPr>
-              <a:t>痛點</a:t>
-            </a:r>
-          </a:p>
-        </p:txBody>
-      </p:sp>
-      <p:sp>
-        <p:nvSpPr>
-          <p:cNvPr id="48" name="圓角矩形 47">
-            <a:extLst>
-              <a:ext uri="{FF2B5EF4-FFF2-40B4-BE49-F238E27FC236}">
-                <a16:creationId xmlns:a16="http://schemas.microsoft.com/office/drawing/2014/main" id="{E1239CC7-42B4-97D1-0E7B-0A1746E1E273}"/>
-              </a:ext>
-            </a:extLst>
-          </p:cNvPr>
-          <p:cNvSpPr/>
-          <p:nvPr/>
-        </p:nvSpPr>
-        <p:spPr>
-          <a:xfrm>
-            <a:off x="4374873" y="3847188"/>
-            <a:ext cx="2874973" cy="1802382"/>
-          </a:xfrm>
-          <a:prstGeom prst="roundRect">
-            <a:avLst/>
-          </a:prstGeom>
-          <a:solidFill>
-            <a:srgbClr val="FFF6E8"/>
-          </a:solidFill>
-          <a:ln w="28575">
+              </a:endParaRPr>
+            </a:p>
+          </p:txBody>
+        </p:sp>
+        <p:sp>
+          <p:nvSpPr>
+            <p:cNvPr id="46" name="圓角矩形 45">
+              <a:extLst>
+                <a:ext uri="{FF2B5EF4-FFF2-40B4-BE49-F238E27FC236}">
+                  <a16:creationId xmlns:a16="http://schemas.microsoft.com/office/drawing/2014/main" id="{A69154FF-2EA9-8192-602A-C33D33286CAF}"/>
+                </a:ext>
+              </a:extLst>
+            </p:cNvPr>
+            <p:cNvSpPr/>
+            <p:nvPr/>
+          </p:nvSpPr>
+          <p:spPr>
+            <a:xfrm>
+              <a:off x="5241724" y="3490706"/>
+              <a:ext cx="1141271" cy="639901"/>
+            </a:xfrm>
+            <a:prstGeom prst="roundRect">
+              <a:avLst/>
+            </a:prstGeom>
             <a:solidFill>
               <a:srgbClr val="CD552F"/>
             </a:solidFill>
-            <a:prstDash val="sysDash"/>
-          </a:ln>
-        </p:spPr>
-        <p:style>
-          <a:lnRef idx="3">
-            <a:schemeClr val="lt1"/>
-          </a:lnRef>
-          <a:fillRef idx="1">
-            <a:schemeClr val="accent2"/>
-          </a:fillRef>
-          <a:effectRef idx="1">
-            <a:schemeClr val="accent2"/>
-          </a:effectRef>
-          <a:fontRef idx="minor">
-            <a:schemeClr val="lt1"/>
-          </a:fontRef>
-        </p:style>
-        <p:txBody>
-          <a:bodyPr rtlCol="0" anchor="ctr"/>
-          <a:lstStyle/>
-          <a:p>
-            <a:pPr>
-              <a:lnSpc>
-                <a:spcPct val="150000"/>
-              </a:lnSpc>
-            </a:pPr>
-            <a:r>
-              <a:rPr lang="en-US" altLang="zh-TW" sz="1400" spc="300" dirty="0">
-                <a:solidFill>
-                  <a:srgbClr val="432A0F"/>
-                </a:solidFill>
-                <a:effectLst/>
-                <a:latin typeface="GenSenRounded TW R" panose="020B0500000000000000" pitchFamily="34" charset="-120"/>
-                <a:ea typeface="GenSenRounded TW R" panose="020B0500000000000000" pitchFamily="34" charset="-120"/>
-              </a:rPr>
-              <a:t>-</a:t>
-            </a:r>
-            <a:r>
-              <a:rPr lang="zh-TW" altLang="en-US" sz="1400" spc="300" dirty="0">
-                <a:solidFill>
-                  <a:srgbClr val="432A0F"/>
-                </a:solidFill>
-                <a:effectLst/>
-                <a:latin typeface="GenSenRounded TW R" panose="020B0500000000000000" pitchFamily="34" charset="-120"/>
-                <a:ea typeface="GenSenRounded TW R" panose="020B0500000000000000" pitchFamily="34" charset="-120"/>
-              </a:rPr>
-              <a:t>愛與歸屬</a:t>
-            </a:r>
-            <a:br>
-              <a:rPr lang="zh-TW" altLang="en-US" sz="1400" spc="300" dirty="0">
-                <a:solidFill>
-                  <a:srgbClr val="432A0F"/>
-                </a:solidFill>
-                <a:effectLst/>
-                <a:latin typeface="GenSenRounded TW R" panose="020B0500000000000000" pitchFamily="34" charset="-120"/>
-                <a:ea typeface="GenSenRounded TW R" panose="020B0500000000000000" pitchFamily="34" charset="-120"/>
-              </a:rPr>
-            </a:br>
-            <a:r>
-              <a:rPr lang="en-US" altLang="zh-TW" sz="1400" spc="300" dirty="0">
-                <a:solidFill>
-                  <a:srgbClr val="432A0F"/>
-                </a:solidFill>
-                <a:effectLst/>
-                <a:latin typeface="GenSenRounded TW R" panose="020B0500000000000000" pitchFamily="34" charset="-120"/>
-                <a:ea typeface="GenSenRounded TW R" panose="020B0500000000000000" pitchFamily="34" charset="-120"/>
-              </a:rPr>
-              <a:t>-</a:t>
-            </a:r>
-            <a:r>
-              <a:rPr lang="zh-TW" altLang="en-US" sz="1400" spc="300" dirty="0">
-                <a:solidFill>
-                  <a:srgbClr val="432A0F"/>
-                </a:solidFill>
-                <a:effectLst/>
-                <a:latin typeface="GenSenRounded TW R" panose="020B0500000000000000" pitchFamily="34" charset="-120"/>
-                <a:ea typeface="GenSenRounded TW R" panose="020B0500000000000000" pitchFamily="34" charset="-120"/>
-              </a:rPr>
-              <a:t>找到理想對象，成功脫單</a:t>
-            </a:r>
-            <a:br>
-              <a:rPr lang="zh-TW" altLang="en-US" sz="1400" spc="300" dirty="0">
-                <a:solidFill>
-                  <a:srgbClr val="432A0F"/>
-                </a:solidFill>
-                <a:effectLst/>
-                <a:latin typeface="GenSenRounded TW R" panose="020B0500000000000000" pitchFamily="34" charset="-120"/>
-                <a:ea typeface="GenSenRounded TW R" panose="020B0500000000000000" pitchFamily="34" charset="-120"/>
-              </a:rPr>
-            </a:br>
-            <a:r>
-              <a:rPr lang="en-US" altLang="zh-TW" sz="1400" spc="300" dirty="0">
-                <a:solidFill>
-                  <a:srgbClr val="432A0F"/>
-                </a:solidFill>
-                <a:effectLst/>
-                <a:latin typeface="GenSenRounded TW R" panose="020B0500000000000000" pitchFamily="34" charset="-120"/>
-                <a:ea typeface="GenSenRounded TW R" panose="020B0500000000000000" pitchFamily="34" charset="-120"/>
-              </a:rPr>
-              <a:t>-</a:t>
-            </a:r>
-            <a:r>
-              <a:rPr lang="zh-TW" altLang="en-US" sz="1400" spc="300" dirty="0">
-                <a:solidFill>
-                  <a:srgbClr val="432A0F"/>
-                </a:solidFill>
-                <a:effectLst/>
-                <a:latin typeface="GenSenRounded TW R" panose="020B0500000000000000" pitchFamily="34" charset="-120"/>
-                <a:ea typeface="GenSenRounded TW R" panose="020B0500000000000000" pitchFamily="34" charset="-120"/>
-              </a:rPr>
-              <a:t>想知道哪一個月老廟最靈</a:t>
-            </a:r>
-            <a:endParaRPr kumimoji="1" lang="zh-TW" altLang="en-US" sz="1400" spc="300" dirty="0">
+            <a:ln>
               <a:solidFill>
-                <a:srgbClr val="432A0F"/>
+                <a:srgbClr val="CD562F"/>
               </a:solidFill>
-              <a:latin typeface="GenSenRounded TW R" panose="020B0500000000000000" pitchFamily="34" charset="-120"/>
-              <a:ea typeface="GenSenRounded TW R" panose="020B0500000000000000" pitchFamily="34" charset="-120"/>
-            </a:endParaRPr>
-          </a:p>
-        </p:txBody>
-      </p:sp>
-      <p:sp>
-        <p:nvSpPr>
-          <p:cNvPr id="46" name="圓角矩形 45">
-            <a:extLst>
-              <a:ext uri="{FF2B5EF4-FFF2-40B4-BE49-F238E27FC236}">
-                <a16:creationId xmlns:a16="http://schemas.microsoft.com/office/drawing/2014/main" id="{A69154FF-2EA9-8192-602A-C33D33286CAF}"/>
-              </a:ext>
-            </a:extLst>
-          </p:cNvPr>
-          <p:cNvSpPr/>
-          <p:nvPr/>
-        </p:nvSpPr>
-        <p:spPr>
-          <a:xfrm>
-            <a:off x="5241724" y="3490706"/>
-            <a:ext cx="1141271" cy="639901"/>
-          </a:xfrm>
-          <a:prstGeom prst="roundRect">
-            <a:avLst/>
-          </a:prstGeom>
-          <a:solidFill>
-            <a:srgbClr val="CD552F"/>
-          </a:solidFill>
-          <a:ln>
-            <a:solidFill>
-              <a:srgbClr val="CD562F"/>
-            </a:solidFill>
-          </a:ln>
-        </p:spPr>
-        <p:style>
-          <a:lnRef idx="2">
-            <a:schemeClr val="accent2">
-              <a:shade val="50000"/>
-            </a:schemeClr>
-          </a:lnRef>
-          <a:fillRef idx="1">
-            <a:schemeClr val="accent2"/>
-          </a:fillRef>
-          <a:effectRef idx="0">
-            <a:schemeClr val="accent2"/>
-          </a:effectRef>
-          <a:fontRef idx="minor">
-            <a:schemeClr val="lt1"/>
-          </a:fontRef>
-        </p:style>
-        <p:txBody>
-          <a:bodyPr rtlCol="0" anchor="ctr"/>
-          <a:lstStyle/>
-          <a:p>
-            <a:pPr algn="ctr"/>
-            <a:r>
-              <a:rPr kumimoji="1" lang="zh-TW" altLang="en-US" dirty="0">
-                <a:latin typeface="GenSenRounded TW M" panose="020B0500000000000000" pitchFamily="34" charset="-120"/>
-                <a:ea typeface="GenSenRounded TW M" panose="020B0500000000000000" pitchFamily="34" charset="-120"/>
-              </a:rPr>
-              <a:t>想獲得</a:t>
-            </a:r>
-          </a:p>
-        </p:txBody>
-      </p:sp>
+            </a:ln>
+          </p:spPr>
+          <p:style>
+            <a:lnRef idx="2">
+              <a:schemeClr val="accent2">
+                <a:shade val="50000"/>
+              </a:schemeClr>
+            </a:lnRef>
+            <a:fillRef idx="1">
+              <a:schemeClr val="accent2"/>
+            </a:fillRef>
+            <a:effectRef idx="0">
+              <a:schemeClr val="accent2"/>
+            </a:effectRef>
+            <a:fontRef idx="minor">
+              <a:schemeClr val="lt1"/>
+            </a:fontRef>
+          </p:style>
+          <p:txBody>
+            <a:bodyPr rtlCol="0" anchor="ctr"/>
+            <a:lstStyle/>
+            <a:p>
+              <a:pPr algn="ctr"/>
+              <a:r>
+                <a:rPr kumimoji="1" lang="zh-TW" altLang="en-US" dirty="0">
+                  <a:latin typeface="GenSenRounded TW M" panose="020B0500000000000000" pitchFamily="34" charset="-120"/>
+                  <a:ea typeface="GenSenRounded TW M" panose="020B0500000000000000" pitchFamily="34" charset="-120"/>
+                </a:rPr>
+                <a:t>想獲得</a:t>
+              </a:r>
+            </a:p>
+          </p:txBody>
+        </p:sp>
+      </p:grpSp>
     </p:spTree>
     <p:extLst>
       <p:ext uri="{BB962C8B-B14F-4D97-AF65-F5344CB8AC3E}">
@@ -17601,6 +17805,126 @@
   <p:clrMapOvr>
     <a:masterClrMapping/>
   </p:clrMapOvr>
+  <p:timing>
+    <p:tnLst>
+      <p:par>
+        <p:cTn id="1" dur="indefinite" restart="never" nodeType="tmRoot">
+          <p:childTnLst>
+            <p:seq concurrent="1" nextAc="seek">
+              <p:cTn id="2" dur="indefinite" nodeType="mainSeq">
+                <p:childTnLst>
+                  <p:par>
+                    <p:cTn id="3" fill="hold">
+                      <p:stCondLst>
+                        <p:cond delay="indefinite"/>
+                      </p:stCondLst>
+                      <p:childTnLst>
+                        <p:par>
+                          <p:cTn id="4" fill="hold">
+                            <p:stCondLst>
+                              <p:cond delay="0"/>
+                            </p:stCondLst>
+                            <p:childTnLst>
+                              <p:par>
+                                <p:cTn id="5" presetID="1" presetClass="entr" presetSubtype="0" fill="hold" nodeType="clickEffect">
+                                  <p:stCondLst>
+                                    <p:cond delay="0"/>
+                                  </p:stCondLst>
+                                  <p:childTnLst>
+                                    <p:set>
+                                      <p:cBhvr>
+                                        <p:cTn id="6" dur="1" fill="hold">
+                                          <p:stCondLst>
+                                            <p:cond delay="0"/>
+                                          </p:stCondLst>
+                                        </p:cTn>
+                                        <p:tgtEl>
+                                          <p:spTgt spid="3"/>
+                                        </p:tgtEl>
+                                        <p:attrNameLst>
+                                          <p:attrName>style.visibility</p:attrName>
+                                        </p:attrNameLst>
+                                      </p:cBhvr>
+                                      <p:to>
+                                        <p:strVal val="visible"/>
+                                      </p:to>
+                                    </p:set>
+                                  </p:childTnLst>
+                                </p:cTn>
+                              </p:par>
+                            </p:childTnLst>
+                          </p:cTn>
+                        </p:par>
+                      </p:childTnLst>
+                    </p:cTn>
+                  </p:par>
+                  <p:par>
+                    <p:cTn id="7" fill="hold">
+                      <p:stCondLst>
+                        <p:cond delay="indefinite"/>
+                      </p:stCondLst>
+                      <p:childTnLst>
+                        <p:par>
+                          <p:cTn id="8" fill="hold">
+                            <p:stCondLst>
+                              <p:cond delay="0"/>
+                            </p:stCondLst>
+                            <p:childTnLst>
+                              <p:par>
+                                <p:cTn id="9" presetID="1" presetClass="entr" presetSubtype="0" fill="hold" nodeType="clickEffect">
+                                  <p:stCondLst>
+                                    <p:cond delay="0"/>
+                                  </p:stCondLst>
+                                  <p:childTnLst>
+                                    <p:set>
+                                      <p:cBhvr>
+                                        <p:cTn id="10" dur="1" fill="hold">
+                                          <p:stCondLst>
+                                            <p:cond delay="0"/>
+                                          </p:stCondLst>
+                                        </p:cTn>
+                                        <p:tgtEl>
+                                          <p:spTgt spid="5"/>
+                                        </p:tgtEl>
+                                        <p:attrNameLst>
+                                          <p:attrName>style.visibility</p:attrName>
+                                        </p:attrNameLst>
+                                      </p:cBhvr>
+                                      <p:to>
+                                        <p:strVal val="visible"/>
+                                      </p:to>
+                                    </p:set>
+                                  </p:childTnLst>
+                                </p:cTn>
+                              </p:par>
+                            </p:childTnLst>
+                          </p:cTn>
+                        </p:par>
+                      </p:childTnLst>
+                    </p:cTn>
+                  </p:par>
+                </p:childTnLst>
+              </p:cTn>
+              <p:prevCondLst>
+                <p:cond evt="onPrev" delay="0">
+                  <p:tgtEl>
+                    <p:sldTgt/>
+                  </p:tgtEl>
+                </p:cond>
+              </p:prevCondLst>
+              <p:nextCondLst>
+                <p:cond evt="onNext" delay="0">
+                  <p:tgtEl>
+                    <p:sldTgt/>
+                  </p:tgtEl>
+                </p:cond>
+              </p:nextCondLst>
+            </p:seq>
+          </p:childTnLst>
+        </p:cTn>
+      </p:par>
+    </p:tnLst>
+  </p:timing>
 </p:sld>
 </file>
 

--- a/MEOW-member/月老喵.pptx
+++ b/MEOW-member/月老喵.pptx
@@ -4444,59 +4444,6 @@
       </p:grpSp>
       <p:sp>
         <p:nvSpPr>
-          <p:cNvPr id="28" name="文字方塊 27">
-            <a:extLst>
-              <a:ext uri="{FF2B5EF4-FFF2-40B4-BE49-F238E27FC236}">
-                <a16:creationId xmlns:a16="http://schemas.microsoft.com/office/drawing/2014/main" id="{58476916-8438-A254-0702-0B41E30B727A}"/>
-              </a:ext>
-            </a:extLst>
-          </p:cNvPr>
-          <p:cNvSpPr txBox="1"/>
-          <p:nvPr/>
-        </p:nvSpPr>
-        <p:spPr>
-          <a:xfrm>
-            <a:off x="-149900" y="5902423"/>
-            <a:ext cx="5056681" cy="1200329"/>
-          </a:xfrm>
-          <a:prstGeom prst="rect">
-            <a:avLst/>
-          </a:prstGeom>
-          <a:noFill/>
-        </p:spPr>
-        <p:txBody>
-          <a:bodyPr wrap="square">
-            <a:spAutoFit/>
-          </a:bodyPr>
-          <a:lstStyle/>
-          <a:p>
-            <a:r>
-              <a:rPr lang="en" altLang="zh-TW" sz="7200" b="1" dirty="0">
-                <a:solidFill>
-                  <a:schemeClr val="bg1">
-                    <a:alpha val="41000"/>
-                  </a:schemeClr>
-                </a:solidFill>
-                <a:effectLst/>
-                <a:latin typeface="GenSenRounded TW B" panose="020B0500000000000000" pitchFamily="34" charset="-120"/>
-                <a:ea typeface="GenSenRounded TW B" panose="020B0500000000000000" pitchFamily="34" charset="-120"/>
-              </a:rPr>
-              <a:t>PERSONA</a:t>
-            </a:r>
-            <a:endParaRPr lang="zh-TW" altLang="en-US" sz="7200" b="1" dirty="0">
-              <a:solidFill>
-                <a:schemeClr val="bg1">
-                  <a:alpha val="41000"/>
-                </a:schemeClr>
-              </a:solidFill>
-              <a:latin typeface="GenSenRounded TW B" panose="020B0500000000000000" pitchFamily="34" charset="-120"/>
-              <a:ea typeface="GenSenRounded TW B" panose="020B0500000000000000" pitchFamily="34" charset="-120"/>
-            </a:endParaRPr>
-          </a:p>
-        </p:txBody>
-      </p:sp>
-      <p:sp>
-        <p:nvSpPr>
           <p:cNvPr id="36" name="矩形 35">
             <a:extLst>
               <a:ext uri="{FF2B5EF4-FFF2-40B4-BE49-F238E27FC236}">
@@ -5068,6 +5015,63 @@
           </a:prstGeom>
         </p:spPr>
       </p:pic>
+      <p:sp>
+        <p:nvSpPr>
+          <p:cNvPr id="8" name="文字方塊 7">
+            <a:extLst>
+              <a:ext uri="{FF2B5EF4-FFF2-40B4-BE49-F238E27FC236}">
+                <a16:creationId xmlns:a16="http://schemas.microsoft.com/office/drawing/2014/main" id="{AB1CDF28-3EFD-C282-2028-C240BA11EEA9}"/>
+              </a:ext>
+            </a:extLst>
+          </p:cNvPr>
+          <p:cNvSpPr txBox="1"/>
+          <p:nvPr/>
+        </p:nvSpPr>
+        <p:spPr>
+          <a:xfrm>
+            <a:off x="-172760" y="5971003"/>
+            <a:ext cx="5056681" cy="1200329"/>
+          </a:xfrm>
+          <a:prstGeom prst="rect">
+            <a:avLst/>
+          </a:prstGeom>
+          <a:noFill/>
+        </p:spPr>
+        <p:txBody>
+          <a:bodyPr wrap="square">
+            <a:spAutoFit/>
+          </a:bodyPr>
+          <a:lstStyle/>
+          <a:p>
+            <a:r>
+              <a:rPr lang="en" altLang="zh-TW" sz="7200" b="1" dirty="0">
+                <a:solidFill>
+                  <a:schemeClr val="accent2">
+                    <a:lumMod val="40000"/>
+                    <a:lumOff val="60000"/>
+                    <a:alpha val="41000"/>
+                  </a:schemeClr>
+                </a:solidFill>
+                <a:effectLst/>
+                <a:latin typeface="GenSenRounded TW B" panose="020B0500000000000000" pitchFamily="34" charset="-120"/>
+                <a:ea typeface="GenSenRounded TW B" panose="020B0500000000000000" pitchFamily="34" charset="-120"/>
+              </a:rPr>
+              <a:t>PERSONA</a:t>
+            </a:r>
+            <a:endParaRPr lang="zh-TW" altLang="en-US" sz="7200" b="1" dirty="0">
+              <a:solidFill>
+                <a:schemeClr val="accent2">
+                  <a:lumMod val="40000"/>
+                  <a:lumOff val="60000"/>
+                  <a:alpha val="41000"/>
+                </a:schemeClr>
+              </a:solidFill>
+              <a:latin typeface="GenSenRounded TW B" panose="020B0500000000000000" pitchFamily="34" charset="-120"/>
+              <a:ea typeface="GenSenRounded TW B" panose="020B0500000000000000" pitchFamily="34" charset="-120"/>
+            </a:endParaRPr>
+          </a:p>
+        </p:txBody>
+      </p:sp>
     </p:spTree>
     <p:extLst>
       <p:ext uri="{BB962C8B-B14F-4D97-AF65-F5344CB8AC3E}">
@@ -17223,7 +17227,7 @@
         </p:nvSpPr>
         <p:spPr>
           <a:xfrm>
-            <a:off x="-149900" y="5902423"/>
+            <a:off x="-172760" y="5971003"/>
             <a:ext cx="5056681" cy="1200329"/>
           </a:xfrm>
           <a:prstGeom prst="rect">
@@ -17240,7 +17244,9 @@
             <a:r>
               <a:rPr lang="en" altLang="zh-TW" sz="7200" b="1" dirty="0">
                 <a:solidFill>
-                  <a:schemeClr val="bg1">
+                  <a:schemeClr val="accent2">
+                    <a:lumMod val="40000"/>
+                    <a:lumOff val="60000"/>
                     <a:alpha val="41000"/>
                   </a:schemeClr>
                 </a:solidFill>
@@ -17252,7 +17258,9 @@
             </a:r>
             <a:endParaRPr lang="zh-TW" altLang="en-US" sz="7200" b="1" dirty="0">
               <a:solidFill>
-                <a:schemeClr val="bg1">
+                <a:schemeClr val="accent2">
+                  <a:lumMod val="40000"/>
+                  <a:lumOff val="60000"/>
                   <a:alpha val="41000"/>
                 </a:schemeClr>
               </a:solidFill>
